--- a/Seminararbeit - Präsentation.pptx
+++ b/Seminararbeit - Präsentation.pptx
@@ -20,8 +20,8 @@
     <p:sldId id="306" r:id="rId8"/>
     <p:sldId id="297" r:id="rId9"/>
     <p:sldId id="311" r:id="rId10"/>
-    <p:sldId id="312" r:id="rId11"/>
-    <p:sldId id="313" r:id="rId12"/>
+    <p:sldId id="316" r:id="rId11"/>
+    <p:sldId id="312" r:id="rId12"/>
     <p:sldId id="314" r:id="rId13"/>
     <p:sldId id="315" r:id="rId14"/>
     <p:sldId id="302" r:id="rId15"/>
@@ -239,7 +239,7 @@
           <a:p>
             <a:fld id="{361181BA-6EEE-4FC7-A97D-DA71A0FBAD42}" type="datetimeFigureOut">
               <a:rPr lang="en-US" smtClean="0"/>
-              <a:t>1/23/2021</a:t>
+              <a:t>1/24/2021</a:t>
             </a:fld>
             <a:endParaRPr lang="en-US" dirty="0"/>
           </a:p>
@@ -404,7 +404,7 @@
           <a:p>
             <a:fld id="{3265195E-0034-4594-ADB6-A8532B18FEDC}" type="datetimeFigureOut">
               <a:rPr lang="en-US" smtClean="0"/>
-              <a:t>1/23/2021</a:t>
+              <a:t>1/24/2021</a:t>
             </a:fld>
             <a:endParaRPr lang="en-US" dirty="0"/>
           </a:p>
@@ -12418,7 +12418,7 @@
         <p:spPr>
           <a:xfrm>
             <a:off x="7007713" y="2781300"/>
-            <a:ext cx="3974612" cy="1895475"/>
+            <a:ext cx="3974612" cy="3443654"/>
           </a:xfrm>
         </p:spPr>
         <p:txBody>
@@ -12431,39 +12431,542 @@
                   <a:srgbClr val="C00000"/>
                 </a:solidFill>
               </a:rPr>
-              <a:t>Keine Erfüllung des Single </a:t>
-            </a:r>
-            <a:r>
-              <a:rPr lang="de-DE" sz="1800" b="1" dirty="0" err="1">
+              <a:t>A, M &amp; Single Sourcing nicht erfüllt</a:t>
+            </a:r>
+          </a:p>
+          <a:p>
+            <a:pPr lvl="1"/>
+            <a:r>
+              <a:rPr lang="de-DE" sz="1600" dirty="0"/>
+              <a:t>Kostenpflichtig</a:t>
+            </a:r>
+          </a:p>
+          <a:p>
+            <a:pPr lvl="1"/>
+            <a:r>
+              <a:rPr lang="de-DE" sz="1600" dirty="0"/>
+              <a:t>Quellcode nicht öffentlich verfügbar</a:t>
+            </a:r>
+          </a:p>
+          <a:p>
+            <a:pPr lvl="1"/>
+            <a:r>
+              <a:rPr lang="de-DE" sz="1600" dirty="0"/>
+              <a:t>Keine gemeinschaftliche Bearbeitung</a:t>
+            </a:r>
+          </a:p>
+          <a:p>
+            <a:pPr lvl="1"/>
+            <a:r>
+              <a:rPr lang="de-DE" sz="1600" dirty="0"/>
+              <a:t>Kopien notwendig</a:t>
+            </a:r>
+          </a:p>
+          <a:p>
+            <a:pPr lvl="1"/>
+            <a:r>
+              <a:rPr lang="de-DE" sz="1600" dirty="0"/>
+              <a:t>Keine Formeln</a:t>
+            </a:r>
+          </a:p>
+          <a:p>
+            <a:pPr lvl="1"/>
+            <a:r>
+              <a:rPr lang="de-DE" sz="1600" dirty="0"/>
+              <a:t>Mangelnde Formatierungen</a:t>
+            </a:r>
+          </a:p>
+        </p:txBody>
+      </p:sp>
+      <p:pic>
+        <p:nvPicPr>
+          <p:cNvPr id="6" name="Grafik 5">
+            <a:extLst>
+              <a:ext uri="{FF2B5EF4-FFF2-40B4-BE49-F238E27FC236}">
+                <a16:creationId xmlns:a16="http://schemas.microsoft.com/office/drawing/2014/main" id="{F9300F5A-6B99-40D0-99BF-BA17EFD7FB61}"/>
+              </a:ext>
+            </a:extLst>
+          </p:cNvPr>
+          <p:cNvPicPr>
+            <a:picLocks noChangeAspect="1"/>
+          </p:cNvPicPr>
+          <p:nvPr/>
+        </p:nvPicPr>
+        <p:blipFill>
+          <a:blip r:embed="rId2"/>
+          <a:stretch>
+            <a:fillRect/>
+          </a:stretch>
+        </p:blipFill>
+        <p:spPr>
+          <a:xfrm>
+            <a:off x="8294487" y="1561589"/>
+            <a:ext cx="1033257" cy="1085072"/>
+          </a:xfrm>
+          <a:prstGeom prst="rect">
+            <a:avLst/>
+          </a:prstGeom>
+        </p:spPr>
+      </p:pic>
+      <p:pic>
+        <p:nvPicPr>
+          <p:cNvPr id="8" name="Grafik 7">
+            <a:extLst>
+              <a:ext uri="{FF2B5EF4-FFF2-40B4-BE49-F238E27FC236}">
+                <a16:creationId xmlns:a16="http://schemas.microsoft.com/office/drawing/2014/main" id="{B35C8E66-4936-4091-ACA6-9EAB0476E8E7}"/>
+              </a:ext>
+            </a:extLst>
+          </p:cNvPr>
+          <p:cNvPicPr>
+            <a:picLocks noChangeAspect="1"/>
+          </p:cNvPicPr>
+          <p:nvPr/>
+        </p:nvPicPr>
+        <p:blipFill>
+          <a:blip r:embed="rId3"/>
+          <a:stretch>
+            <a:fillRect/>
+          </a:stretch>
+        </p:blipFill>
+        <p:spPr>
+          <a:xfrm>
+            <a:off x="2864256" y="1495099"/>
+            <a:ext cx="1033259" cy="1118102"/>
+          </a:xfrm>
+          <a:prstGeom prst="rect">
+            <a:avLst/>
+          </a:prstGeom>
+        </p:spPr>
+      </p:pic>
+      <p:sp>
+        <p:nvSpPr>
+          <p:cNvPr id="10" name="Textplatzhalter 3">
+            <a:extLst>
+              <a:ext uri="{FF2B5EF4-FFF2-40B4-BE49-F238E27FC236}">
+                <a16:creationId xmlns:a16="http://schemas.microsoft.com/office/drawing/2014/main" id="{8B5A23E5-87EC-4582-BA37-E195B079C104}"/>
+              </a:ext>
+            </a:extLst>
+          </p:cNvPr>
+          <p:cNvSpPr txBox="1">
+            <a:spLocks/>
+          </p:cNvSpPr>
+          <p:nvPr/>
+        </p:nvSpPr>
+        <p:spPr>
+          <a:xfrm>
+            <a:off x="1393579" y="2781300"/>
+            <a:ext cx="3974612" cy="3443654"/>
+          </a:xfrm>
+          <a:prstGeom prst="rect">
+            <a:avLst/>
+          </a:prstGeom>
+        </p:spPr>
+        <p:txBody>
+          <a:bodyPr>
+            <a:noAutofit/>
+          </a:bodyPr>
+          <a:lstStyle>
+            <a:lvl1pPr marL="228600" indent="-228600" algn="l" defTabSz="914400" rtl="0" eaLnBrk="1" latinLnBrk="0" hangingPunct="1">
+              <a:lnSpc>
+                <a:spcPct val="90000"/>
+              </a:lnSpc>
+              <a:spcBef>
+                <a:spcPts val="1000"/>
+              </a:spcBef>
+              <a:buFont typeface="Wingdings" panose="05000000000000000000" pitchFamily="2" charset="2"/>
+              <a:buChar char="§"/>
+              <a:defRPr sz="2000" kern="1200">
+                <a:solidFill>
+                  <a:srgbClr val="595959"/>
+                </a:solidFill>
+                <a:latin typeface="Trebuchet MS" panose="020B0603020202020204" pitchFamily="34" charset="0"/>
+                <a:ea typeface="+mn-ea"/>
+                <a:cs typeface="+mn-cs"/>
+              </a:defRPr>
+            </a:lvl1pPr>
+            <a:lvl2pPr marL="685800" indent="-228600" algn="l" defTabSz="914400" rtl="0" eaLnBrk="1" latinLnBrk="0" hangingPunct="1">
+              <a:lnSpc>
+                <a:spcPct val="90000"/>
+              </a:lnSpc>
+              <a:spcBef>
+                <a:spcPts val="500"/>
+              </a:spcBef>
+              <a:buFont typeface="Wingdings" panose="05000000000000000000" pitchFamily="2" charset="2"/>
+              <a:buChar char="§"/>
+              <a:defRPr sz="1800" kern="1200">
+                <a:solidFill>
+                  <a:srgbClr val="595959"/>
+                </a:solidFill>
+                <a:latin typeface="Trebuchet MS" panose="020B0603020202020204" pitchFamily="34" charset="0"/>
+                <a:ea typeface="+mn-ea"/>
+                <a:cs typeface="+mn-cs"/>
+              </a:defRPr>
+            </a:lvl2pPr>
+            <a:lvl3pPr marL="1143000" indent="-228600" algn="l" defTabSz="914400" rtl="0" eaLnBrk="1" latinLnBrk="0" hangingPunct="1">
+              <a:lnSpc>
+                <a:spcPct val="90000"/>
+              </a:lnSpc>
+              <a:spcBef>
+                <a:spcPts val="500"/>
+              </a:spcBef>
+              <a:buFont typeface="Wingdings" panose="05000000000000000000" pitchFamily="2" charset="2"/>
+              <a:buChar char="§"/>
+              <a:defRPr sz="1800" kern="1200">
+                <a:solidFill>
+                  <a:srgbClr val="595959"/>
+                </a:solidFill>
+                <a:latin typeface="Trebuchet MS" panose="020B0603020202020204" pitchFamily="34" charset="0"/>
+                <a:ea typeface="+mn-ea"/>
+                <a:cs typeface="+mn-cs"/>
+              </a:defRPr>
+            </a:lvl3pPr>
+            <a:lvl4pPr marL="1600200" indent="-228600" algn="l" defTabSz="914400" rtl="0" eaLnBrk="1" latinLnBrk="0" hangingPunct="1">
+              <a:lnSpc>
+                <a:spcPct val="90000"/>
+              </a:lnSpc>
+              <a:spcBef>
+                <a:spcPts val="500"/>
+              </a:spcBef>
+              <a:buFont typeface="Wingdings" panose="05000000000000000000" pitchFamily="2" charset="2"/>
+              <a:buChar char="§"/>
+              <a:defRPr sz="1800" kern="1200">
+                <a:solidFill>
+                  <a:srgbClr val="595959"/>
+                </a:solidFill>
+                <a:latin typeface="Trebuchet MS" panose="020B0603020202020204" pitchFamily="34" charset="0"/>
+                <a:ea typeface="+mn-ea"/>
+                <a:cs typeface="+mn-cs"/>
+              </a:defRPr>
+            </a:lvl4pPr>
+            <a:lvl5pPr marL="2057400" indent="-228600" algn="l" defTabSz="914400" rtl="0" eaLnBrk="1" latinLnBrk="0" hangingPunct="1">
+              <a:lnSpc>
+                <a:spcPct val="90000"/>
+              </a:lnSpc>
+              <a:spcBef>
+                <a:spcPts val="500"/>
+              </a:spcBef>
+              <a:buFont typeface="Wingdings" panose="05000000000000000000" pitchFamily="2" charset="2"/>
+              <a:buChar char="§"/>
+              <a:defRPr sz="1800" kern="1200">
+                <a:solidFill>
+                  <a:srgbClr val="595959"/>
+                </a:solidFill>
+                <a:latin typeface="Trebuchet MS" panose="020B0603020202020204" pitchFamily="34" charset="0"/>
+                <a:ea typeface="+mn-ea"/>
+                <a:cs typeface="+mn-cs"/>
+              </a:defRPr>
+            </a:lvl5pPr>
+            <a:lvl6pPr marL="2514600" indent="-228600" algn="l" defTabSz="914400" rtl="0" eaLnBrk="1" latinLnBrk="0" hangingPunct="1">
+              <a:lnSpc>
+                <a:spcPct val="90000"/>
+              </a:lnSpc>
+              <a:spcBef>
+                <a:spcPts val="500"/>
+              </a:spcBef>
+              <a:buFont typeface="Arial" panose="020B0604020202020204" pitchFamily="34" charset="0"/>
+              <a:buChar char="•"/>
+              <a:defRPr sz="1800" kern="1200">
+                <a:solidFill>
+                  <a:schemeClr val="tx1"/>
+                </a:solidFill>
+                <a:latin typeface="+mn-lt"/>
+                <a:ea typeface="+mn-ea"/>
+                <a:cs typeface="+mn-cs"/>
+              </a:defRPr>
+            </a:lvl6pPr>
+            <a:lvl7pPr marL="2971800" indent="-228600" algn="l" defTabSz="914400" rtl="0" eaLnBrk="1" latinLnBrk="0" hangingPunct="1">
+              <a:lnSpc>
+                <a:spcPct val="90000"/>
+              </a:lnSpc>
+              <a:spcBef>
+                <a:spcPts val="500"/>
+              </a:spcBef>
+              <a:buFont typeface="Arial" panose="020B0604020202020204" pitchFamily="34" charset="0"/>
+              <a:buChar char="•"/>
+              <a:defRPr sz="1800" kern="1200">
+                <a:solidFill>
+                  <a:schemeClr val="tx1"/>
+                </a:solidFill>
+                <a:latin typeface="+mn-lt"/>
+                <a:ea typeface="+mn-ea"/>
+                <a:cs typeface="+mn-cs"/>
+              </a:defRPr>
+            </a:lvl7pPr>
+            <a:lvl8pPr marL="3429000" indent="-228600" algn="l" defTabSz="914400" rtl="0" eaLnBrk="1" latinLnBrk="0" hangingPunct="1">
+              <a:lnSpc>
+                <a:spcPct val="90000"/>
+              </a:lnSpc>
+              <a:spcBef>
+                <a:spcPts val="500"/>
+              </a:spcBef>
+              <a:buFont typeface="Arial" panose="020B0604020202020204" pitchFamily="34" charset="0"/>
+              <a:buChar char="•"/>
+              <a:defRPr sz="1800" kern="1200">
+                <a:solidFill>
+                  <a:schemeClr val="tx1"/>
+                </a:solidFill>
+                <a:latin typeface="+mn-lt"/>
+                <a:ea typeface="+mn-ea"/>
+                <a:cs typeface="+mn-cs"/>
+              </a:defRPr>
+            </a:lvl8pPr>
+            <a:lvl9pPr marL="3886200" indent="-228600" algn="l" defTabSz="914400" rtl="0" eaLnBrk="1" latinLnBrk="0" hangingPunct="1">
+              <a:lnSpc>
+                <a:spcPct val="90000"/>
+              </a:lnSpc>
+              <a:spcBef>
+                <a:spcPts val="500"/>
+              </a:spcBef>
+              <a:buFont typeface="Arial" panose="020B0604020202020204" pitchFamily="34" charset="0"/>
+              <a:buChar char="•"/>
+              <a:defRPr sz="1800" kern="1200">
+                <a:solidFill>
+                  <a:schemeClr val="tx1"/>
+                </a:solidFill>
+                <a:latin typeface="+mn-lt"/>
+                <a:ea typeface="+mn-ea"/>
+                <a:cs typeface="+mn-cs"/>
+              </a:defRPr>
+            </a:lvl9pPr>
+          </a:lstStyle>
+          <a:p>
+            <a:r>
+              <a:rPr lang="de-DE" sz="1800" b="1" dirty="0">
                 <a:solidFill>
                   <a:srgbClr val="C00000"/>
                 </a:solidFill>
               </a:rPr>
-              <a:t>Sourcings</a:t>
-            </a:r>
-            <a:endParaRPr lang="de-DE" sz="1800" b="1" dirty="0">
-              <a:solidFill>
-                <a:srgbClr val="C00000"/>
-              </a:solidFill>
-            </a:endParaRPr>
+              <a:t>L, S, P erfüllt</a:t>
+            </a:r>
           </a:p>
           <a:p>
             <a:pPr lvl="1"/>
             <a:r>
+              <a:rPr lang="de-DE" sz="1600" dirty="0"/>
+              <a:t>Export in ein XML-Dateiformat</a:t>
+            </a:r>
+          </a:p>
+          <a:p>
+            <a:r>
+              <a:rPr lang="de-DE" sz="1800" dirty="0"/>
+              <a:t>Hosting auf eigenen Server auf Anfrage möglich</a:t>
+            </a:r>
+          </a:p>
+          <a:p>
+            <a:r>
+              <a:rPr lang="de-DE" sz="1800" dirty="0"/>
+              <a:t>Lerngruppen</a:t>
+            </a:r>
+          </a:p>
+          <a:p>
+            <a:r>
+              <a:rPr lang="de-DE" sz="1800" dirty="0"/>
+              <a:t>Wahrscheinlichkeit für Phasen</a:t>
+            </a:r>
+          </a:p>
+          <a:p>
+            <a:r>
+              <a:rPr lang="de-DE" sz="1800" dirty="0"/>
+              <a:t>Eselsbrücke</a:t>
+            </a:r>
+          </a:p>
+        </p:txBody>
+      </p:sp>
+    </p:spTree>
+    <p:extLst>
+      <p:ext uri="{BB962C8B-B14F-4D97-AF65-F5344CB8AC3E}">
+        <p14:creationId xmlns:p14="http://schemas.microsoft.com/office/powerpoint/2010/main" val="4075365479"/>
+      </p:ext>
+    </p:extLst>
+  </p:cSld>
+  <p:clrMapOvr>
+    <a:masterClrMapping/>
+  </p:clrMapOvr>
+</p:sld>
+</file>
+
+<file path=ppt/slides/slide11.xml><?xml version="1.0" encoding="utf-8"?>
+<p:sld xmlns:a="http://schemas.openxmlformats.org/drawingml/2006/main" xmlns:r="http://schemas.openxmlformats.org/officeDocument/2006/relationships" xmlns:p="http://schemas.openxmlformats.org/presentationml/2006/main">
+  <p:cSld>
+    <p:spTree>
+      <p:nvGrpSpPr>
+        <p:cNvPr id="1" name=""/>
+        <p:cNvGrpSpPr/>
+        <p:nvPr/>
+      </p:nvGrpSpPr>
+      <p:grpSpPr>
+        <a:xfrm>
+          <a:off x="0" y="0"/>
+          <a:ext cx="0" cy="0"/>
+          <a:chOff x="0" y="0"/>
+          <a:chExt cx="0" cy="0"/>
+        </a:xfrm>
+      </p:grpSpPr>
+      <p:sp>
+        <p:nvSpPr>
+          <p:cNvPr id="2" name="Titel 1">
+            <a:extLst>
+              <a:ext uri="{FF2B5EF4-FFF2-40B4-BE49-F238E27FC236}">
+                <a16:creationId xmlns:a16="http://schemas.microsoft.com/office/drawing/2014/main" id="{A2DA162D-4648-47F0-B1F2-F6ECADC3AD6D}"/>
+              </a:ext>
+            </a:extLst>
+          </p:cNvPr>
+          <p:cNvSpPr>
+            <a:spLocks noGrp="1"/>
+          </p:cNvSpPr>
+          <p:nvPr>
+            <p:ph type="title"/>
+          </p:nvPr>
+        </p:nvSpPr>
+        <p:spPr/>
+        <p:txBody>
+          <a:bodyPr/>
+          <a:lstStyle/>
+          <a:p>
+            <a:r>
+              <a:rPr lang="en-US" sz="3600" b="1" dirty="0">
+                <a:solidFill>
+                  <a:srgbClr val="910830"/>
+                </a:solidFill>
+              </a:rPr>
+              <a:t>Evaluation </a:t>
+            </a:r>
+            <a:r>
+              <a:rPr lang="de-DE" sz="3600" b="1" dirty="0">
+                <a:solidFill>
+                  <a:srgbClr val="910830"/>
+                </a:solidFill>
+              </a:rPr>
+              <a:t>vorhandener</a:t>
+            </a:r>
+            <a:r>
+              <a:rPr lang="en-US" sz="3600" b="1" dirty="0">
+                <a:solidFill>
+                  <a:srgbClr val="910830"/>
+                </a:solidFill>
+              </a:rPr>
+              <a:t> Software</a:t>
+            </a:r>
+            <a:endParaRPr lang="en-US" dirty="0"/>
+          </a:p>
+        </p:txBody>
+      </p:sp>
+      <p:sp>
+        <p:nvSpPr>
+          <p:cNvPr id="3" name="Textplatzhalter 2">
+            <a:extLst>
+              <a:ext uri="{FF2B5EF4-FFF2-40B4-BE49-F238E27FC236}">
+                <a16:creationId xmlns:a16="http://schemas.microsoft.com/office/drawing/2014/main" id="{C85D0268-3F54-462F-B57F-0AD060C3E1E0}"/>
+              </a:ext>
+            </a:extLst>
+          </p:cNvPr>
+          <p:cNvSpPr>
+            <a:spLocks noGrp="1"/>
+          </p:cNvSpPr>
+          <p:nvPr>
+            <p:ph type="body" sz="quarter" idx="13"/>
+          </p:nvPr>
+        </p:nvSpPr>
+        <p:spPr/>
+        <p:txBody>
+          <a:bodyPr/>
+          <a:lstStyle/>
+          <a:p>
+            <a:r>
               <a:rPr lang="de-DE" dirty="0"/>
-              <a:t>Mehr als eine Kopie, kein Export von Bildern</a:t>
+              <a:t>Kartenheld</a:t>
+            </a:r>
+            <a:endParaRPr lang="en-US" dirty="0"/>
+          </a:p>
+        </p:txBody>
+      </p:sp>
+      <p:sp>
+        <p:nvSpPr>
+          <p:cNvPr id="4" name="Textplatzhalter 3">
+            <a:extLst>
+              <a:ext uri="{FF2B5EF4-FFF2-40B4-BE49-F238E27FC236}">
+                <a16:creationId xmlns:a16="http://schemas.microsoft.com/office/drawing/2014/main" id="{9D0105D0-205A-4E1F-ACCB-AACB15F40803}"/>
+              </a:ext>
+            </a:extLst>
+          </p:cNvPr>
+          <p:cNvSpPr>
+            <a:spLocks noGrp="1"/>
+          </p:cNvSpPr>
+          <p:nvPr>
+            <p:ph type="body" sz="quarter" idx="18"/>
+          </p:nvPr>
+        </p:nvSpPr>
+        <p:spPr>
+          <a:xfrm>
+            <a:off x="7007713" y="2781300"/>
+            <a:ext cx="3974612" cy="2892059"/>
+          </a:xfrm>
+        </p:spPr>
+        <p:txBody>
+          <a:bodyPr/>
+          <a:lstStyle/>
+          <a:p>
+            <a:r>
+              <a:rPr lang="de-DE" sz="1800" b="1" dirty="0">
+                <a:solidFill>
+                  <a:srgbClr val="C00000"/>
+                </a:solidFill>
+              </a:rPr>
+              <a:t>A, M, S &amp; Single Sourcing nicht erfüllt</a:t>
+            </a:r>
+          </a:p>
+          <a:p>
+            <a:pPr lvl="1"/>
+            <a:r>
+              <a:rPr lang="de-DE" sz="1600" dirty="0"/>
+              <a:t>Kostenpflichtig</a:t>
+            </a:r>
+          </a:p>
+          <a:p>
+            <a:pPr lvl="1"/>
+            <a:r>
+              <a:rPr lang="de-DE" sz="1600" dirty="0"/>
+              <a:t>Quellcode nicht öffentlich einsehbar</a:t>
+            </a:r>
+          </a:p>
+          <a:p>
+            <a:pPr lvl="1"/>
+            <a:r>
+              <a:rPr lang="de-DE" sz="1600" dirty="0"/>
+              <a:t>Keine Formeln</a:t>
+            </a:r>
+          </a:p>
+          <a:p>
+            <a:pPr lvl="1"/>
+            <a:r>
+              <a:rPr lang="de-DE" sz="1600" dirty="0"/>
+              <a:t>Nur spezifisches .</a:t>
+            </a:r>
+            <a:r>
+              <a:rPr lang="de-DE" sz="1600" dirty="0" err="1"/>
+              <a:t>flashcards</a:t>
+            </a:r>
+            <a:r>
+              <a:rPr lang="de-DE" sz="1600" dirty="0"/>
+              <a:t>-Dateiformat</a:t>
             </a:r>
           </a:p>
           <a:p>
             <a:r>
               <a:rPr lang="de-DE" sz="1800" dirty="0"/>
-              <a:t>keine Kollaboration</a:t>
+              <a:t>Keine Kategorien für einzelne Kurse</a:t>
             </a:r>
           </a:p>
           <a:p>
             <a:r>
               <a:rPr lang="de-DE" sz="1800" dirty="0"/>
-              <a:t>Kein ansprechendes Design</a:t>
+              <a:t>kaum Statistiken </a:t>
+            </a:r>
+          </a:p>
+          <a:p>
+            <a:r>
+              <a:rPr lang="de-DE" sz="1800" dirty="0"/>
+              <a:t>Kaum Einstellungsmöglichkeiten</a:t>
             </a:r>
           </a:p>
         </p:txBody>
@@ -12543,7 +13046,7 @@
         <p:spPr>
           <a:xfrm>
             <a:off x="609600" y="2646661"/>
-            <a:ext cx="5791200" cy="3416320"/>
+            <a:ext cx="4574688" cy="2862322"/>
           </a:xfrm>
           <a:prstGeom prst="rect">
             <a:avLst/>
@@ -12556,13 +13059,34 @@
           </a:bodyPr>
           <a:lstStyle/>
           <a:p>
+            <a:pPr marL="228600" indent="-228600">
+              <a:lnSpc>
+                <a:spcPct val="90000"/>
+              </a:lnSpc>
+              <a:spcBef>
+                <a:spcPts val="1000"/>
+              </a:spcBef>
+              <a:buFont typeface="Wingdings" panose="05000000000000000000" pitchFamily="2" charset="2"/>
+              <a:buChar char="§"/>
+            </a:pPr>
+            <a:r>
+              <a:rPr lang="de-DE" b="1" dirty="0">
+                <a:solidFill>
+                  <a:srgbClr val="C00000"/>
+                </a:solidFill>
+                <a:latin typeface="Trebuchet MS" panose="020B0603020202020204" pitchFamily="34" charset="0"/>
+              </a:rPr>
+              <a:t>L erfüllt</a:t>
+            </a:r>
+          </a:p>
+          <a:p>
             <a:pPr marL="285750" indent="-285750">
               <a:buFont typeface="Arial" panose="020B0604020202020204" pitchFamily="34" charset="0"/>
               <a:buChar char="•"/>
             </a:pPr>
             <a:r>
-              <a:rPr lang="de-DE" sz="1800" dirty="0"/>
-              <a:t>Freie Software</a:t>
+              <a:rPr lang="de-DE" dirty="0"/>
+              <a:t>vertrautem Design von Microsoft</a:t>
             </a:r>
           </a:p>
           <a:p>
@@ -12571,26 +13095,9 @@
               <a:buChar char="•"/>
             </a:pPr>
             <a:r>
-              <a:rPr lang="en-US" sz="1800" b="1" dirty="0">
-                <a:solidFill>
-                  <a:srgbClr val="C00000"/>
-                </a:solidFill>
-              </a:rPr>
-              <a:t>ALMS und P </a:t>
-            </a:r>
-            <a:r>
-              <a:rPr lang="en-US" sz="1800" b="1" dirty="0" err="1">
-                <a:solidFill>
-                  <a:srgbClr val="C00000"/>
-                </a:solidFill>
-              </a:rPr>
-              <a:t>erfüllt</a:t>
-            </a:r>
-            <a:endParaRPr lang="de-DE" b="1" dirty="0">
-              <a:solidFill>
-                <a:srgbClr val="C00000"/>
-              </a:solidFill>
-            </a:endParaRPr>
+              <a:rPr lang="de-DE" sz="1800" dirty="0"/>
+              <a:t>Multiple Choice Aufgaben</a:t>
+            </a:r>
           </a:p>
           <a:p>
             <a:pPr marL="285750" indent="-285750">
@@ -12598,8 +13105,8 @@
               <a:buChar char="•"/>
             </a:pPr>
             <a:r>
-              <a:rPr lang="de-DE" sz="1800" dirty="0"/>
-              <a:t>Unterteilung einer Kartenseite in mehrere Sektionen</a:t>
+              <a:rPr lang="de-DE" dirty="0"/>
+              <a:t>Abfrage nach schwierigen Karten</a:t>
             </a:r>
           </a:p>
           <a:p>
@@ -12609,7 +13116,7 @@
             </a:pPr>
             <a:r>
               <a:rPr lang="de-DE" sz="1800" dirty="0"/>
-              <a:t>N-dimensionale Karten</a:t>
+              <a:t>Abfrage nach einer spezifischen Phase</a:t>
             </a:r>
           </a:p>
           <a:p>
@@ -12618,30 +13125,9 @@
               <a:buChar char="•"/>
             </a:pPr>
             <a:r>
-              <a:rPr lang="de-DE" sz="1800" dirty="0"/>
-              <a:t>Bilder innerhalb des </a:t>
-            </a:r>
-            <a:r>
-              <a:rPr lang="de-DE" sz="1800" dirty="0" err="1"/>
-              <a:t>Textlusses</a:t>
-            </a:r>
-            <a:r>
-              <a:rPr lang="de-DE" sz="1800" dirty="0"/>
-              <a:t> mit </a:t>
-            </a:r>
-            <a:r>
-              <a:rPr lang="de-DE" sz="1800" dirty="0" err="1"/>
-              <a:t>copy</a:t>
-            </a:r>
-            <a:r>
-              <a:rPr lang="de-DE" sz="1800" dirty="0"/>
-              <a:t> &amp; </a:t>
-            </a:r>
-            <a:r>
-              <a:rPr lang="de-DE" sz="1800" dirty="0" err="1"/>
-              <a:t>paste</a:t>
-            </a:r>
-            <a:endParaRPr lang="de-DE" sz="1800" dirty="0"/>
+              <a:rPr lang="de-DE" dirty="0"/>
+              <a:t>Bilder im Textfluss</a:t>
+            </a:r>
           </a:p>
           <a:p>
             <a:pPr marL="285750" indent="-285750">
@@ -12650,15 +13136,7 @@
             </a:pPr>
             <a:r>
               <a:rPr lang="de-DE" sz="1800" dirty="0"/>
-              <a:t>Formeln durch verschiedene Methoden (Latex, </a:t>
-            </a:r>
-            <a:r>
-              <a:rPr lang="de-DE" sz="1800" dirty="0" err="1"/>
-              <a:t>MathJax</a:t>
-            </a:r>
-            <a:r>
-              <a:rPr lang="de-DE" sz="1800" dirty="0"/>
-              <a:t>, HTML)</a:t>
+              <a:t>Keine Audiodateien</a:t>
             </a:r>
           </a:p>
           <a:p>
@@ -12667,8 +13145,8 @@
               <a:buChar char="•"/>
             </a:pPr>
             <a:r>
-              <a:rPr lang="de-DE" sz="1800" dirty="0"/>
-              <a:t>Spaced Learning </a:t>
+              <a:rPr lang="de-DE" dirty="0"/>
+              <a:t>Keine Prioritäten oder Fälligkeiten</a:t>
             </a:r>
           </a:p>
           <a:p>
@@ -12678,27 +13156,7 @@
             </a:pPr>
             <a:r>
               <a:rPr lang="de-DE" sz="1800" dirty="0"/>
-              <a:t>Gedächtnisleistung nach Tageszeit</a:t>
-            </a:r>
-          </a:p>
-          <a:p>
-            <a:pPr marL="285750" indent="-285750">
-              <a:buFont typeface="Arial" panose="020B0604020202020204" pitchFamily="34" charset="0"/>
-              <a:buChar char="•"/>
-            </a:pPr>
-            <a:r>
-              <a:rPr lang="de-DE" sz="1800" dirty="0"/>
-              <a:t>Ähnliche Karten vermeiden </a:t>
-            </a:r>
-          </a:p>
-          <a:p>
-            <a:pPr marL="285750" indent="-285750">
-              <a:buFont typeface="Arial" panose="020B0604020202020204" pitchFamily="34" charset="0"/>
-              <a:buChar char="•"/>
-            </a:pPr>
-            <a:r>
-              <a:rPr lang="de-DE" sz="1800" dirty="0"/>
-              <a:t>Einfaches Votesystem auf der Webseite</a:t>
+              <a:t>Keine Aktivitäts- oder Prognosestatistiken</a:t>
             </a:r>
           </a:p>
         </p:txBody>
@@ -12716,7 +13174,7 @@
 </p:sld>
 </file>
 
-<file path=ppt/slides/slide11.xml><?xml version="1.0" encoding="utf-8"?>
+<file path=ppt/slides/slide12.xml><?xml version="1.0" encoding="utf-8"?>
 <p:sld xmlns:a="http://schemas.openxmlformats.org/drawingml/2006/main" xmlns:r="http://schemas.openxmlformats.org/officeDocument/2006/relationships" xmlns:p="http://schemas.openxmlformats.org/presentationml/2006/main">
   <p:cSld>
     <p:spTree>
@@ -12804,8 +13262,8 @@
           <a:lstStyle/>
           <a:p>
             <a:r>
-              <a:rPr lang="de-DE" dirty="0"/>
-              <a:t>Kartenheld</a:t>
+              <a:rPr lang="de-DE" dirty="0" err="1"/>
+              <a:t>Buffl</a:t>
             </a:r>
             <a:endParaRPr lang="en-US" dirty="0"/>
           </a:p>
@@ -12829,8 +13287,8 @@
         </p:nvSpPr>
         <p:spPr>
           <a:xfrm>
-            <a:off x="7007713" y="2781300"/>
-            <a:ext cx="3974612" cy="1895475"/>
+            <a:off x="6260979" y="2869223"/>
+            <a:ext cx="5100271" cy="3171092"/>
           </a:xfrm>
         </p:spPr>
         <p:txBody>
@@ -12843,40 +13301,478 @@
                   <a:srgbClr val="C00000"/>
                 </a:solidFill>
               </a:rPr>
-              <a:t>Keine Erfüllung des Single </a:t>
-            </a:r>
-            <a:r>
-              <a:rPr lang="de-DE" sz="1800" b="1" dirty="0" err="1">
+              <a:t>A, M erfüllt &amp; S eingeschränkt erfüllt</a:t>
+            </a:r>
+          </a:p>
+          <a:p>
+            <a:pPr lvl="1"/>
+            <a:r>
+              <a:rPr lang="de-DE" sz="1600" dirty="0"/>
+              <a:t>Quellcode nicht öffentlich verfügbar </a:t>
+            </a:r>
+          </a:p>
+          <a:p>
+            <a:pPr lvl="1"/>
+            <a:r>
+              <a:rPr lang="de-DE" sz="1600" dirty="0"/>
+              <a:t>Kein Export (kein Zugriff auf Quelldateien)</a:t>
+            </a:r>
+          </a:p>
+          <a:p>
+            <a:pPr lvl="1"/>
+            <a:r>
+              <a:rPr lang="de-DE" sz="1600" dirty="0"/>
+              <a:t>Eingeschränkte Gestaltungsmöglichkeiten der Karten</a:t>
+            </a:r>
+          </a:p>
+          <a:p>
+            <a:pPr lvl="1"/>
+            <a:r>
+              <a:rPr lang="de-DE" sz="1600" dirty="0"/>
+              <a:t>Keine Formeln</a:t>
+            </a:r>
+          </a:p>
+          <a:p>
+            <a:r>
+              <a:rPr lang="de-DE" sz="1800" dirty="0"/>
+              <a:t>Keine intuitive Benutzeroberfläche</a:t>
+            </a:r>
+          </a:p>
+          <a:p>
+            <a:pPr marL="285750" indent="-285750">
+              <a:buFont typeface="Arial" panose="020B0604020202020204" pitchFamily="34" charset="0"/>
+              <a:buChar char="•"/>
+            </a:pPr>
+            <a:r>
+              <a:rPr lang="de-DE" sz="1800" dirty="0"/>
+              <a:t>Keine Audiodateien</a:t>
+            </a:r>
+          </a:p>
+          <a:p>
+            <a:pPr marL="285750" indent="-285750">
+              <a:buFont typeface="Arial" panose="020B0604020202020204" pitchFamily="34" charset="0"/>
+              <a:buChar char="•"/>
+            </a:pPr>
+            <a:r>
+              <a:rPr lang="de-DE" sz="1600" dirty="0"/>
+              <a:t>Keine Prioritäten oder Fälligkeiten</a:t>
+            </a:r>
+          </a:p>
+          <a:p>
+            <a:pPr marL="285750" indent="-285750">
+              <a:buFont typeface="Arial" panose="020B0604020202020204" pitchFamily="34" charset="0"/>
+              <a:buChar char="•"/>
+            </a:pPr>
+            <a:r>
+              <a:rPr lang="de-DE" sz="1800" dirty="0"/>
+              <a:t>Keine Aktivitäts- oder Prognosestatistiken</a:t>
+            </a:r>
+          </a:p>
+          <a:p>
+            <a:endParaRPr lang="de-DE" sz="1800" dirty="0"/>
+          </a:p>
+          <a:p>
+            <a:endParaRPr lang="de-DE" sz="1800" dirty="0"/>
+          </a:p>
+        </p:txBody>
+      </p:sp>
+      <p:pic>
+        <p:nvPicPr>
+          <p:cNvPr id="6" name="Grafik 5">
+            <a:extLst>
+              <a:ext uri="{FF2B5EF4-FFF2-40B4-BE49-F238E27FC236}">
+                <a16:creationId xmlns:a16="http://schemas.microsoft.com/office/drawing/2014/main" id="{F9300F5A-6B99-40D0-99BF-BA17EFD7FB61}"/>
+              </a:ext>
+            </a:extLst>
+          </p:cNvPr>
+          <p:cNvPicPr>
+            <a:picLocks noChangeAspect="1"/>
+          </p:cNvPicPr>
+          <p:nvPr/>
+        </p:nvPicPr>
+        <p:blipFill>
+          <a:blip r:embed="rId2"/>
+          <a:stretch>
+            <a:fillRect/>
+          </a:stretch>
+        </p:blipFill>
+        <p:spPr>
+          <a:xfrm>
+            <a:off x="8294487" y="1561589"/>
+            <a:ext cx="1033257" cy="1085072"/>
+          </a:xfrm>
+          <a:prstGeom prst="rect">
+            <a:avLst/>
+          </a:prstGeom>
+        </p:spPr>
+      </p:pic>
+      <p:pic>
+        <p:nvPicPr>
+          <p:cNvPr id="8" name="Grafik 7">
+            <a:extLst>
+              <a:ext uri="{FF2B5EF4-FFF2-40B4-BE49-F238E27FC236}">
+                <a16:creationId xmlns:a16="http://schemas.microsoft.com/office/drawing/2014/main" id="{B35C8E66-4936-4091-ACA6-9EAB0476E8E7}"/>
+              </a:ext>
+            </a:extLst>
+          </p:cNvPr>
+          <p:cNvPicPr>
+            <a:picLocks noChangeAspect="1"/>
+          </p:cNvPicPr>
+          <p:nvPr/>
+        </p:nvPicPr>
+        <p:blipFill>
+          <a:blip r:embed="rId3"/>
+          <a:stretch>
+            <a:fillRect/>
+          </a:stretch>
+        </p:blipFill>
+        <p:spPr>
+          <a:xfrm>
+            <a:off x="2864256" y="1495099"/>
+            <a:ext cx="1033259" cy="1118102"/>
+          </a:xfrm>
+          <a:prstGeom prst="rect">
+            <a:avLst/>
+          </a:prstGeom>
+        </p:spPr>
+      </p:pic>
+      <p:sp>
+        <p:nvSpPr>
+          <p:cNvPr id="9" name="Textfeld 8">
+            <a:extLst>
+              <a:ext uri="{FF2B5EF4-FFF2-40B4-BE49-F238E27FC236}">
+                <a16:creationId xmlns:a16="http://schemas.microsoft.com/office/drawing/2014/main" id="{F55A94D1-7239-4DBE-81CA-0570E7154082}"/>
+              </a:ext>
+            </a:extLst>
+          </p:cNvPr>
+          <p:cNvSpPr txBox="1"/>
+          <p:nvPr/>
+        </p:nvSpPr>
+        <p:spPr>
+          <a:xfrm>
+            <a:off x="1795339" y="2869223"/>
+            <a:ext cx="3171092" cy="2280624"/>
+          </a:xfrm>
+          <a:prstGeom prst="rect">
+            <a:avLst/>
+          </a:prstGeom>
+          <a:noFill/>
+        </p:spPr>
+        <p:txBody>
+          <a:bodyPr wrap="square" rtlCol="0">
+            <a:spAutoFit/>
+          </a:bodyPr>
+          <a:lstStyle/>
+          <a:p>
+            <a:pPr marL="228600" indent="-228600">
+              <a:lnSpc>
+                <a:spcPct val="90000"/>
+              </a:lnSpc>
+              <a:spcBef>
+                <a:spcPts val="1000"/>
+              </a:spcBef>
+              <a:buFont typeface="Wingdings" panose="05000000000000000000" pitchFamily="2" charset="2"/>
+              <a:buChar char="§"/>
+            </a:pPr>
+            <a:r>
+              <a:rPr lang="de-DE" b="1" dirty="0">
+                <a:solidFill>
+                  <a:srgbClr val="C00000"/>
+                </a:solidFill>
+                <a:latin typeface="Trebuchet MS" panose="020B0603020202020204" pitchFamily="34" charset="0"/>
+              </a:rPr>
+              <a:t>L, P erfüllt</a:t>
+            </a:r>
+          </a:p>
+          <a:p>
+            <a:pPr marL="285750" indent="-285750">
+              <a:buFont typeface="Arial" panose="020B0604020202020204" pitchFamily="34" charset="0"/>
+              <a:buChar char="•"/>
+            </a:pPr>
+            <a:r>
+              <a:rPr lang="de-DE" sz="1800" dirty="0"/>
+              <a:t>Kostenlos</a:t>
+            </a:r>
+          </a:p>
+          <a:p>
+            <a:pPr marL="285750" indent="-285750">
+              <a:buFont typeface="Arial" panose="020B0604020202020204" pitchFamily="34" charset="0"/>
+              <a:buChar char="•"/>
+            </a:pPr>
+            <a:r>
+              <a:rPr lang="de-DE" dirty="0"/>
+              <a:t>Kurse mit anderen teilbar </a:t>
+            </a:r>
+          </a:p>
+          <a:p>
+            <a:pPr marL="285750" indent="-285750">
+              <a:buFont typeface="Arial" panose="020B0604020202020204" pitchFamily="34" charset="0"/>
+              <a:buChar char="•"/>
+            </a:pPr>
+            <a:r>
+              <a:rPr lang="de-DE" sz="1800" dirty="0"/>
+              <a:t>Import-Funktion</a:t>
+            </a:r>
+          </a:p>
+          <a:p>
+            <a:pPr marL="285750" indent="-285750">
+              <a:buFont typeface="Arial" panose="020B0604020202020204" pitchFamily="34" charset="0"/>
+              <a:buChar char="•"/>
+            </a:pPr>
+            <a:r>
+              <a:rPr lang="de-DE" dirty="0"/>
+              <a:t>Bilder per </a:t>
+            </a:r>
+            <a:r>
+              <a:rPr lang="de-DE" dirty="0" err="1"/>
+              <a:t>copy</a:t>
+            </a:r>
+            <a:r>
+              <a:rPr lang="de-DE" dirty="0"/>
+              <a:t> &amp; </a:t>
+            </a:r>
+            <a:r>
+              <a:rPr lang="de-DE" dirty="0" err="1"/>
+              <a:t>paste</a:t>
+            </a:r>
+            <a:endParaRPr lang="de-DE" dirty="0"/>
+          </a:p>
+          <a:p>
+            <a:pPr marL="285750" indent="-285750">
+              <a:buFont typeface="Arial" panose="020B0604020202020204" pitchFamily="34" charset="0"/>
+              <a:buChar char="•"/>
+            </a:pPr>
+            <a:endParaRPr lang="de-DE" sz="1800" dirty="0"/>
+          </a:p>
+          <a:p>
+            <a:r>
+              <a:rPr lang="de-DE" dirty="0"/>
+              <a:t> </a:t>
+            </a:r>
+          </a:p>
+          <a:p>
+            <a:pPr marL="285750" indent="-285750">
+              <a:buFont typeface="Arial" panose="020B0604020202020204" pitchFamily="34" charset="0"/>
+              <a:buChar char="•"/>
+            </a:pPr>
+            <a:endParaRPr lang="de-DE" sz="1800" dirty="0"/>
+          </a:p>
+        </p:txBody>
+      </p:sp>
+    </p:spTree>
+    <p:extLst>
+      <p:ext uri="{BB962C8B-B14F-4D97-AF65-F5344CB8AC3E}">
+        <p14:creationId xmlns:p14="http://schemas.microsoft.com/office/powerpoint/2010/main" val="2238653221"/>
+      </p:ext>
+    </p:extLst>
+  </p:cSld>
+  <p:clrMapOvr>
+    <a:masterClrMapping/>
+  </p:clrMapOvr>
+</p:sld>
+</file>
+
+<file path=ppt/slides/slide13.xml><?xml version="1.0" encoding="utf-8"?>
+<p:sld xmlns:a="http://schemas.openxmlformats.org/drawingml/2006/main" xmlns:r="http://schemas.openxmlformats.org/officeDocument/2006/relationships" xmlns:p="http://schemas.openxmlformats.org/presentationml/2006/main">
+  <p:cSld>
+    <p:spTree>
+      <p:nvGrpSpPr>
+        <p:cNvPr id="1" name=""/>
+        <p:cNvGrpSpPr/>
+        <p:nvPr/>
+      </p:nvGrpSpPr>
+      <p:grpSpPr>
+        <a:xfrm>
+          <a:off x="0" y="0"/>
+          <a:ext cx="0" cy="0"/>
+          <a:chOff x="0" y="0"/>
+          <a:chExt cx="0" cy="0"/>
+        </a:xfrm>
+      </p:grpSpPr>
+      <p:sp>
+        <p:nvSpPr>
+          <p:cNvPr id="2" name="Titel 1">
+            <a:extLst>
+              <a:ext uri="{FF2B5EF4-FFF2-40B4-BE49-F238E27FC236}">
+                <a16:creationId xmlns:a16="http://schemas.microsoft.com/office/drawing/2014/main" id="{A2DA162D-4648-47F0-B1F2-F6ECADC3AD6D}"/>
+              </a:ext>
+            </a:extLst>
+          </p:cNvPr>
+          <p:cNvSpPr>
+            <a:spLocks noGrp="1"/>
+          </p:cNvSpPr>
+          <p:nvPr>
+            <p:ph type="title"/>
+          </p:nvPr>
+        </p:nvSpPr>
+        <p:spPr/>
+        <p:txBody>
+          <a:bodyPr/>
+          <a:lstStyle/>
+          <a:p>
+            <a:r>
+              <a:rPr lang="en-US" sz="3600" b="1" dirty="0">
+                <a:solidFill>
+                  <a:srgbClr val="910830"/>
+                </a:solidFill>
+              </a:rPr>
+              <a:t>Evaluation </a:t>
+            </a:r>
+            <a:r>
+              <a:rPr lang="de-DE" sz="3600" b="1" dirty="0">
+                <a:solidFill>
+                  <a:srgbClr val="910830"/>
+                </a:solidFill>
+              </a:rPr>
+              <a:t>vorhandener</a:t>
+            </a:r>
+            <a:r>
+              <a:rPr lang="en-US" sz="3600" b="1" dirty="0">
+                <a:solidFill>
+                  <a:srgbClr val="910830"/>
+                </a:solidFill>
+              </a:rPr>
+              <a:t> Software</a:t>
+            </a:r>
+            <a:endParaRPr lang="en-US" dirty="0"/>
+          </a:p>
+        </p:txBody>
+      </p:sp>
+      <p:sp>
+        <p:nvSpPr>
+          <p:cNvPr id="3" name="Textplatzhalter 2">
+            <a:extLst>
+              <a:ext uri="{FF2B5EF4-FFF2-40B4-BE49-F238E27FC236}">
+                <a16:creationId xmlns:a16="http://schemas.microsoft.com/office/drawing/2014/main" id="{C85D0268-3F54-462F-B57F-0AD060C3E1E0}"/>
+              </a:ext>
+            </a:extLst>
+          </p:cNvPr>
+          <p:cNvSpPr>
+            <a:spLocks noGrp="1"/>
+          </p:cNvSpPr>
+          <p:nvPr>
+            <p:ph type="body" sz="quarter" idx="13"/>
+          </p:nvPr>
+        </p:nvSpPr>
+        <p:spPr/>
+        <p:txBody>
+          <a:bodyPr/>
+          <a:lstStyle/>
+          <a:p>
+            <a:r>
+              <a:rPr lang="de-DE" dirty="0" err="1"/>
+              <a:t>KevDi</a:t>
+            </a:r>
+            <a:r>
+              <a:rPr lang="de-DE" dirty="0"/>
+              <a:t> als Entwicklungsgrundlage</a:t>
+            </a:r>
+            <a:endParaRPr lang="en-US" dirty="0"/>
+          </a:p>
+        </p:txBody>
+      </p:sp>
+      <p:sp>
+        <p:nvSpPr>
+          <p:cNvPr id="4" name="Textplatzhalter 3">
+            <a:extLst>
+              <a:ext uri="{FF2B5EF4-FFF2-40B4-BE49-F238E27FC236}">
+                <a16:creationId xmlns:a16="http://schemas.microsoft.com/office/drawing/2014/main" id="{9D0105D0-205A-4E1F-ACCB-AACB15F40803}"/>
+              </a:ext>
+            </a:extLst>
+          </p:cNvPr>
+          <p:cNvSpPr>
+            <a:spLocks noGrp="1"/>
+          </p:cNvSpPr>
+          <p:nvPr>
+            <p:ph type="body" sz="quarter" idx="18"/>
+          </p:nvPr>
+        </p:nvSpPr>
+        <p:spPr>
+          <a:xfrm>
+            <a:off x="6523771" y="2746610"/>
+            <a:ext cx="5161206" cy="3671775"/>
+          </a:xfrm>
+        </p:spPr>
+        <p:txBody>
+          <a:bodyPr/>
+          <a:lstStyle/>
+          <a:p>
+            <a:r>
+              <a:rPr lang="de-DE" sz="1800" b="1" dirty="0">
                 <a:solidFill>
                   <a:srgbClr val="C00000"/>
                 </a:solidFill>
               </a:rPr>
-              <a:t>Sourcings</a:t>
-            </a:r>
-            <a:endParaRPr lang="de-DE" sz="1800" b="1" dirty="0">
-              <a:solidFill>
-                <a:srgbClr val="C00000"/>
-              </a:solidFill>
-            </a:endParaRPr>
+              <a:t>L, S, P &amp; Single Sourcing nicht erfüllt</a:t>
+            </a:r>
           </a:p>
           <a:p>
             <a:pPr lvl="1"/>
             <a:r>
-              <a:rPr lang="de-DE" dirty="0"/>
-              <a:t>Mehr als eine Kopie, kein Export von Bildern</a:t>
+              <a:rPr lang="de-DE" sz="1600" dirty="0"/>
+              <a:t>HTML und </a:t>
+            </a:r>
+            <a:r>
+              <a:rPr lang="de-DE" sz="1600" dirty="0" err="1"/>
+              <a:t>Markdown</a:t>
+            </a:r>
+            <a:r>
+              <a:rPr lang="de-DE" sz="1600" dirty="0"/>
+              <a:t> Kenntnisse benötigt</a:t>
+            </a:r>
+          </a:p>
+          <a:p>
+            <a:pPr lvl="1"/>
+            <a:r>
+              <a:rPr lang="de-DE" sz="1600" dirty="0"/>
+              <a:t>Kein Import oder Export</a:t>
+            </a:r>
+          </a:p>
+          <a:p>
+            <a:pPr lvl="1"/>
+            <a:r>
+              <a:rPr lang="de-DE" sz="1600" dirty="0"/>
+              <a:t>Nur online über den Browser verfügbar</a:t>
             </a:r>
           </a:p>
           <a:p>
             <a:r>
               <a:rPr lang="de-DE" sz="1800" dirty="0"/>
-              <a:t>keine Kollaboration</a:t>
+              <a:t>Keine Bearbeitung von Kursen </a:t>
             </a:r>
           </a:p>
           <a:p>
             <a:r>
               <a:rPr lang="de-DE" sz="1800" dirty="0"/>
-              <a:t>Kein ansprechendes Design</a:t>
-            </a:r>
+              <a:t>Keine zusätzliche Kategorien </a:t>
+            </a:r>
+          </a:p>
+          <a:p>
+            <a:r>
+              <a:rPr lang="de-DE" sz="1800" dirty="0"/>
+              <a:t>Keine Bilder, Audiodateien oder Formeln</a:t>
+            </a:r>
+          </a:p>
+          <a:p>
+            <a:r>
+              <a:rPr lang="de-DE" sz="1800" dirty="0"/>
+              <a:t>Keine effizienten Lernalgorithmen</a:t>
+            </a:r>
+          </a:p>
+          <a:p>
+            <a:r>
+              <a:rPr lang="de-DE" sz="1800" dirty="0"/>
+              <a:t>Keine Einstellungsmöglichkeiten</a:t>
+            </a:r>
+          </a:p>
+          <a:p>
+            <a:r>
+              <a:rPr lang="de-DE" sz="1800" dirty="0"/>
+              <a:t>Keine Statistiken </a:t>
+            </a:r>
+          </a:p>
+          <a:p>
+            <a:endParaRPr lang="de-DE" sz="1800" dirty="0"/>
           </a:p>
         </p:txBody>
       </p:sp>
@@ -12955,7 +13851,7 @@
         <p:spPr>
           <a:xfrm>
             <a:off x="609600" y="2646661"/>
-            <a:ext cx="5791200" cy="3416320"/>
+            <a:ext cx="5791200" cy="1449628"/>
           </a:xfrm>
           <a:prstGeom prst="rect">
             <a:avLst/>
@@ -12968,13 +13864,44 @@
           </a:bodyPr>
           <a:lstStyle/>
           <a:p>
+            <a:pPr marL="228600" indent="-228600">
+              <a:lnSpc>
+                <a:spcPct val="90000"/>
+              </a:lnSpc>
+              <a:spcBef>
+                <a:spcPts val="1000"/>
+              </a:spcBef>
+              <a:buFont typeface="Wingdings" panose="05000000000000000000" pitchFamily="2" charset="2"/>
+              <a:buChar char="§"/>
+            </a:pPr>
+            <a:r>
+              <a:rPr lang="de-DE" b="1" dirty="0">
+                <a:solidFill>
+                  <a:srgbClr val="C00000"/>
+                </a:solidFill>
+                <a:latin typeface="Trebuchet MS" panose="020B0603020202020204" pitchFamily="34" charset="0"/>
+              </a:rPr>
+              <a:t>A, M erfüllt</a:t>
+            </a:r>
+          </a:p>
+          <a:p>
+            <a:pPr marL="742950" lvl="1" indent="-285750">
+              <a:buFont typeface="Arial" panose="020B0604020202020204" pitchFamily="34" charset="0"/>
+              <a:buChar char="•"/>
+            </a:pPr>
+            <a:r>
+              <a:rPr lang="de-DE" dirty="0"/>
+              <a:t>Quellcode frei zugänglich</a:t>
+            </a:r>
+          </a:p>
+          <a:p>
             <a:pPr marL="285750" indent="-285750">
               <a:buFont typeface="Arial" panose="020B0604020202020204" pitchFamily="34" charset="0"/>
               <a:buChar char="•"/>
             </a:pPr>
             <a:r>
               <a:rPr lang="de-DE" sz="1800" dirty="0"/>
-              <a:t>Freie Software</a:t>
+              <a:t>Benutzerauthentifizierung ist vorhanden</a:t>
             </a:r>
           </a:p>
           <a:p>
@@ -12983,963 +13910,28 @@
               <a:buChar char="•"/>
             </a:pPr>
             <a:r>
-              <a:rPr lang="en-US" sz="1800" b="1" dirty="0">
-                <a:solidFill>
-                  <a:srgbClr val="C00000"/>
-                </a:solidFill>
-              </a:rPr>
-              <a:t>ALMS und P </a:t>
-            </a:r>
-            <a:r>
-              <a:rPr lang="en-US" sz="1800" b="1" dirty="0" err="1">
-                <a:solidFill>
-                  <a:srgbClr val="C00000"/>
-                </a:solidFill>
-              </a:rPr>
-              <a:t>erfüllt</a:t>
-            </a:r>
-            <a:endParaRPr lang="de-DE" b="1" dirty="0">
-              <a:solidFill>
-                <a:srgbClr val="C00000"/>
-              </a:solidFill>
-            </a:endParaRPr>
+              <a:rPr lang="de-DE" dirty="0"/>
+              <a:t>Durch HTML und </a:t>
+            </a:r>
+            <a:r>
+              <a:rPr lang="de-DE" dirty="0" err="1"/>
+              <a:t>Markdown</a:t>
+            </a:r>
+            <a:r>
+              <a:rPr lang="de-DE" dirty="0"/>
+              <a:t> ausreichend editierbar</a:t>
+            </a:r>
+            <a:r>
+              <a:rPr lang="de-DE" sz="1800" dirty="0"/>
+              <a:t> </a:t>
+            </a:r>
           </a:p>
           <a:p>
             <a:pPr marL="285750" indent="-285750">
               <a:buFont typeface="Arial" panose="020B0604020202020204" pitchFamily="34" charset="0"/>
               <a:buChar char="•"/>
             </a:pPr>
-            <a:r>
-              <a:rPr lang="de-DE" sz="1800" dirty="0"/>
-              <a:t>Unterteilung einer Kartenseite in mehrere Sektionen</a:t>
-            </a:r>
-          </a:p>
-          <a:p>
-            <a:pPr marL="285750" indent="-285750">
-              <a:buFont typeface="Arial" panose="020B0604020202020204" pitchFamily="34" charset="0"/>
-              <a:buChar char="•"/>
-            </a:pPr>
-            <a:r>
-              <a:rPr lang="de-DE" sz="1800" dirty="0"/>
-              <a:t>N-dimensionale Karten</a:t>
-            </a:r>
-          </a:p>
-          <a:p>
-            <a:pPr marL="285750" indent="-285750">
-              <a:buFont typeface="Arial" panose="020B0604020202020204" pitchFamily="34" charset="0"/>
-              <a:buChar char="•"/>
-            </a:pPr>
-            <a:r>
-              <a:rPr lang="de-DE" sz="1800" dirty="0"/>
-              <a:t>Bilder innerhalb des </a:t>
-            </a:r>
-            <a:r>
-              <a:rPr lang="de-DE" sz="1800" dirty="0" err="1"/>
-              <a:t>Textlusses</a:t>
-            </a:r>
-            <a:r>
-              <a:rPr lang="de-DE" sz="1800" dirty="0"/>
-              <a:t> mit </a:t>
-            </a:r>
-            <a:r>
-              <a:rPr lang="de-DE" sz="1800" dirty="0" err="1"/>
-              <a:t>copy</a:t>
-            </a:r>
-            <a:r>
-              <a:rPr lang="de-DE" sz="1800" dirty="0"/>
-              <a:t> &amp; </a:t>
-            </a:r>
-            <a:r>
-              <a:rPr lang="de-DE" sz="1800" dirty="0" err="1"/>
-              <a:t>paste</a:t>
-            </a:r>
             <a:endParaRPr lang="de-DE" sz="1800" dirty="0"/>
-          </a:p>
-          <a:p>
-            <a:pPr marL="285750" indent="-285750">
-              <a:buFont typeface="Arial" panose="020B0604020202020204" pitchFamily="34" charset="0"/>
-              <a:buChar char="•"/>
-            </a:pPr>
-            <a:r>
-              <a:rPr lang="de-DE" sz="1800" dirty="0"/>
-              <a:t>Formeln durch verschiedene Methoden (Latex, </a:t>
-            </a:r>
-            <a:r>
-              <a:rPr lang="de-DE" sz="1800" dirty="0" err="1"/>
-              <a:t>MathJax</a:t>
-            </a:r>
-            <a:r>
-              <a:rPr lang="de-DE" sz="1800" dirty="0"/>
-              <a:t>, HTML)</a:t>
-            </a:r>
-          </a:p>
-          <a:p>
-            <a:pPr marL="285750" indent="-285750">
-              <a:buFont typeface="Arial" panose="020B0604020202020204" pitchFamily="34" charset="0"/>
-              <a:buChar char="•"/>
-            </a:pPr>
-            <a:r>
-              <a:rPr lang="de-DE" sz="1800" dirty="0"/>
-              <a:t>Spaced Learning </a:t>
-            </a:r>
-          </a:p>
-          <a:p>
-            <a:pPr marL="285750" indent="-285750">
-              <a:buFont typeface="Arial" panose="020B0604020202020204" pitchFamily="34" charset="0"/>
-              <a:buChar char="•"/>
-            </a:pPr>
-            <a:r>
-              <a:rPr lang="de-DE" sz="1800" dirty="0"/>
-              <a:t>Gedächtnisleistung nach Tageszeit</a:t>
-            </a:r>
-          </a:p>
-          <a:p>
-            <a:pPr marL="285750" indent="-285750">
-              <a:buFont typeface="Arial" panose="020B0604020202020204" pitchFamily="34" charset="0"/>
-              <a:buChar char="•"/>
-            </a:pPr>
-            <a:r>
-              <a:rPr lang="de-DE" sz="1800" dirty="0"/>
-              <a:t>Ähnliche Karten vermeiden </a:t>
-            </a:r>
-          </a:p>
-          <a:p>
-            <a:pPr marL="285750" indent="-285750">
-              <a:buFont typeface="Arial" panose="020B0604020202020204" pitchFamily="34" charset="0"/>
-              <a:buChar char="•"/>
-            </a:pPr>
-            <a:r>
-              <a:rPr lang="de-DE" sz="1800" dirty="0"/>
-              <a:t>Einfaches Votesystem auf der Webseite</a:t>
-            </a:r>
-          </a:p>
-        </p:txBody>
-      </p:sp>
-    </p:spTree>
-    <p:extLst>
-      <p:ext uri="{BB962C8B-B14F-4D97-AF65-F5344CB8AC3E}">
-        <p14:creationId xmlns:p14="http://schemas.microsoft.com/office/powerpoint/2010/main" val="1812041389"/>
-      </p:ext>
-    </p:extLst>
-  </p:cSld>
-  <p:clrMapOvr>
-    <a:masterClrMapping/>
-  </p:clrMapOvr>
-</p:sld>
-</file>
-
-<file path=ppt/slides/slide12.xml><?xml version="1.0" encoding="utf-8"?>
-<p:sld xmlns:a="http://schemas.openxmlformats.org/drawingml/2006/main" xmlns:r="http://schemas.openxmlformats.org/officeDocument/2006/relationships" xmlns:p="http://schemas.openxmlformats.org/presentationml/2006/main">
-  <p:cSld>
-    <p:spTree>
-      <p:nvGrpSpPr>
-        <p:cNvPr id="1" name=""/>
-        <p:cNvGrpSpPr/>
-        <p:nvPr/>
-      </p:nvGrpSpPr>
-      <p:grpSpPr>
-        <a:xfrm>
-          <a:off x="0" y="0"/>
-          <a:ext cx="0" cy="0"/>
-          <a:chOff x="0" y="0"/>
-          <a:chExt cx="0" cy="0"/>
-        </a:xfrm>
-      </p:grpSpPr>
-      <p:sp>
-        <p:nvSpPr>
-          <p:cNvPr id="2" name="Titel 1">
-            <a:extLst>
-              <a:ext uri="{FF2B5EF4-FFF2-40B4-BE49-F238E27FC236}">
-                <a16:creationId xmlns:a16="http://schemas.microsoft.com/office/drawing/2014/main" id="{A2DA162D-4648-47F0-B1F2-F6ECADC3AD6D}"/>
-              </a:ext>
-            </a:extLst>
-          </p:cNvPr>
-          <p:cNvSpPr>
-            <a:spLocks noGrp="1"/>
-          </p:cNvSpPr>
-          <p:nvPr>
-            <p:ph type="title"/>
-          </p:nvPr>
-        </p:nvSpPr>
-        <p:spPr/>
-        <p:txBody>
-          <a:bodyPr/>
-          <a:lstStyle/>
-          <a:p>
-            <a:r>
-              <a:rPr lang="en-US" sz="3600" b="1" dirty="0">
-                <a:solidFill>
-                  <a:srgbClr val="910830"/>
-                </a:solidFill>
-              </a:rPr>
-              <a:t>Evaluation </a:t>
-            </a:r>
-            <a:r>
-              <a:rPr lang="de-DE" sz="3600" b="1" dirty="0">
-                <a:solidFill>
-                  <a:srgbClr val="910830"/>
-                </a:solidFill>
-              </a:rPr>
-              <a:t>vorhandener</a:t>
-            </a:r>
-            <a:r>
-              <a:rPr lang="en-US" sz="3600" b="1" dirty="0">
-                <a:solidFill>
-                  <a:srgbClr val="910830"/>
-                </a:solidFill>
-              </a:rPr>
-              <a:t> Software</a:t>
-            </a:r>
-            <a:endParaRPr lang="en-US" dirty="0"/>
-          </a:p>
-        </p:txBody>
-      </p:sp>
-      <p:sp>
-        <p:nvSpPr>
-          <p:cNvPr id="3" name="Textplatzhalter 2">
-            <a:extLst>
-              <a:ext uri="{FF2B5EF4-FFF2-40B4-BE49-F238E27FC236}">
-                <a16:creationId xmlns:a16="http://schemas.microsoft.com/office/drawing/2014/main" id="{C85D0268-3F54-462F-B57F-0AD060C3E1E0}"/>
-              </a:ext>
-            </a:extLst>
-          </p:cNvPr>
-          <p:cNvSpPr>
-            <a:spLocks noGrp="1"/>
-          </p:cNvSpPr>
-          <p:nvPr>
-            <p:ph type="body" sz="quarter" idx="13"/>
-          </p:nvPr>
-        </p:nvSpPr>
-        <p:spPr/>
-        <p:txBody>
-          <a:bodyPr/>
-          <a:lstStyle/>
-          <a:p>
-            <a:r>
-              <a:rPr lang="de-DE" dirty="0" err="1"/>
-              <a:t>Buffl</a:t>
-            </a:r>
-            <a:endParaRPr lang="en-US" dirty="0"/>
-          </a:p>
-        </p:txBody>
-      </p:sp>
-      <p:sp>
-        <p:nvSpPr>
-          <p:cNvPr id="4" name="Textplatzhalter 3">
-            <a:extLst>
-              <a:ext uri="{FF2B5EF4-FFF2-40B4-BE49-F238E27FC236}">
-                <a16:creationId xmlns:a16="http://schemas.microsoft.com/office/drawing/2014/main" id="{9D0105D0-205A-4E1F-ACCB-AACB15F40803}"/>
-              </a:ext>
-            </a:extLst>
-          </p:cNvPr>
-          <p:cNvSpPr>
-            <a:spLocks noGrp="1"/>
-          </p:cNvSpPr>
-          <p:nvPr>
-            <p:ph type="body" sz="quarter" idx="18"/>
-          </p:nvPr>
-        </p:nvSpPr>
-        <p:spPr>
-          <a:xfrm>
-            <a:off x="7007713" y="2781300"/>
-            <a:ext cx="3974612" cy="1895475"/>
-          </a:xfrm>
-        </p:spPr>
-        <p:txBody>
-          <a:bodyPr/>
-          <a:lstStyle/>
-          <a:p>
-            <a:r>
-              <a:rPr lang="de-DE" sz="1800" b="1" dirty="0">
-                <a:solidFill>
-                  <a:srgbClr val="C00000"/>
-                </a:solidFill>
-              </a:rPr>
-              <a:t>Keine Erfüllung des Single </a:t>
-            </a:r>
-            <a:r>
-              <a:rPr lang="de-DE" sz="1800" b="1" dirty="0" err="1">
-                <a:solidFill>
-                  <a:srgbClr val="C00000"/>
-                </a:solidFill>
-              </a:rPr>
-              <a:t>Sourcings</a:t>
-            </a:r>
-            <a:endParaRPr lang="de-DE" sz="1800" b="1" dirty="0">
-              <a:solidFill>
-                <a:srgbClr val="C00000"/>
-              </a:solidFill>
-            </a:endParaRPr>
-          </a:p>
-          <a:p>
-            <a:pPr lvl="1"/>
-            <a:r>
-              <a:rPr lang="de-DE" dirty="0"/>
-              <a:t>Mehr als eine Kopie, kein Export von Bildern</a:t>
-            </a:r>
-          </a:p>
-          <a:p>
-            <a:r>
-              <a:rPr lang="de-DE" sz="1800" dirty="0"/>
-              <a:t>keine Kollaboration</a:t>
-            </a:r>
-          </a:p>
-          <a:p>
-            <a:r>
-              <a:rPr lang="de-DE" sz="1800" dirty="0"/>
-              <a:t>Kein ansprechendes Design</a:t>
-            </a:r>
-          </a:p>
-        </p:txBody>
-      </p:sp>
-      <p:pic>
-        <p:nvPicPr>
-          <p:cNvPr id="6" name="Grafik 5">
-            <a:extLst>
-              <a:ext uri="{FF2B5EF4-FFF2-40B4-BE49-F238E27FC236}">
-                <a16:creationId xmlns:a16="http://schemas.microsoft.com/office/drawing/2014/main" id="{F9300F5A-6B99-40D0-99BF-BA17EFD7FB61}"/>
-              </a:ext>
-            </a:extLst>
-          </p:cNvPr>
-          <p:cNvPicPr>
-            <a:picLocks noChangeAspect="1"/>
-          </p:cNvPicPr>
-          <p:nvPr/>
-        </p:nvPicPr>
-        <p:blipFill>
-          <a:blip r:embed="rId2"/>
-          <a:stretch>
-            <a:fillRect/>
-          </a:stretch>
-        </p:blipFill>
-        <p:spPr>
-          <a:xfrm>
-            <a:off x="8294487" y="1561589"/>
-            <a:ext cx="1033257" cy="1085072"/>
-          </a:xfrm>
-          <a:prstGeom prst="rect">
-            <a:avLst/>
-          </a:prstGeom>
-        </p:spPr>
-      </p:pic>
-      <p:pic>
-        <p:nvPicPr>
-          <p:cNvPr id="8" name="Grafik 7">
-            <a:extLst>
-              <a:ext uri="{FF2B5EF4-FFF2-40B4-BE49-F238E27FC236}">
-                <a16:creationId xmlns:a16="http://schemas.microsoft.com/office/drawing/2014/main" id="{B35C8E66-4936-4091-ACA6-9EAB0476E8E7}"/>
-              </a:ext>
-            </a:extLst>
-          </p:cNvPr>
-          <p:cNvPicPr>
-            <a:picLocks noChangeAspect="1"/>
-          </p:cNvPicPr>
-          <p:nvPr/>
-        </p:nvPicPr>
-        <p:blipFill>
-          <a:blip r:embed="rId3"/>
-          <a:stretch>
-            <a:fillRect/>
-          </a:stretch>
-        </p:blipFill>
-        <p:spPr>
-          <a:xfrm>
-            <a:off x="2864256" y="1495099"/>
-            <a:ext cx="1033259" cy="1118102"/>
-          </a:xfrm>
-          <a:prstGeom prst="rect">
-            <a:avLst/>
-          </a:prstGeom>
-        </p:spPr>
-      </p:pic>
-      <p:sp>
-        <p:nvSpPr>
-          <p:cNvPr id="9" name="Textfeld 8">
-            <a:extLst>
-              <a:ext uri="{FF2B5EF4-FFF2-40B4-BE49-F238E27FC236}">
-                <a16:creationId xmlns:a16="http://schemas.microsoft.com/office/drawing/2014/main" id="{F55A94D1-7239-4DBE-81CA-0570E7154082}"/>
-              </a:ext>
-            </a:extLst>
-          </p:cNvPr>
-          <p:cNvSpPr txBox="1"/>
-          <p:nvPr/>
-        </p:nvSpPr>
-        <p:spPr>
-          <a:xfrm>
-            <a:off x="609600" y="2646661"/>
-            <a:ext cx="5791200" cy="3416320"/>
-          </a:xfrm>
-          <a:prstGeom prst="rect">
-            <a:avLst/>
-          </a:prstGeom>
-          <a:noFill/>
-        </p:spPr>
-        <p:txBody>
-          <a:bodyPr wrap="square" rtlCol="0">
-            <a:spAutoFit/>
-          </a:bodyPr>
-          <a:lstStyle/>
-          <a:p>
-            <a:pPr marL="285750" indent="-285750">
-              <a:buFont typeface="Arial" panose="020B0604020202020204" pitchFamily="34" charset="0"/>
-              <a:buChar char="•"/>
-            </a:pPr>
-            <a:r>
-              <a:rPr lang="de-DE" sz="1800" dirty="0"/>
-              <a:t>Freie Software</a:t>
-            </a:r>
-          </a:p>
-          <a:p>
-            <a:pPr marL="285750" indent="-285750">
-              <a:buFont typeface="Arial" panose="020B0604020202020204" pitchFamily="34" charset="0"/>
-              <a:buChar char="•"/>
-            </a:pPr>
-            <a:r>
-              <a:rPr lang="en-US" sz="1800" b="1" dirty="0">
-                <a:solidFill>
-                  <a:srgbClr val="C00000"/>
-                </a:solidFill>
-              </a:rPr>
-              <a:t>ALMS und P </a:t>
-            </a:r>
-            <a:r>
-              <a:rPr lang="en-US" sz="1800" b="1" dirty="0" err="1">
-                <a:solidFill>
-                  <a:srgbClr val="C00000"/>
-                </a:solidFill>
-              </a:rPr>
-              <a:t>erfüllt</a:t>
-            </a:r>
-            <a:endParaRPr lang="de-DE" b="1" dirty="0">
-              <a:solidFill>
-                <a:srgbClr val="C00000"/>
-              </a:solidFill>
-            </a:endParaRPr>
-          </a:p>
-          <a:p>
-            <a:pPr marL="285750" indent="-285750">
-              <a:buFont typeface="Arial" panose="020B0604020202020204" pitchFamily="34" charset="0"/>
-              <a:buChar char="•"/>
-            </a:pPr>
-            <a:r>
-              <a:rPr lang="de-DE" sz="1800" dirty="0"/>
-              <a:t>Unterteilung einer Kartenseite in mehrere Sektionen</a:t>
-            </a:r>
-          </a:p>
-          <a:p>
-            <a:pPr marL="285750" indent="-285750">
-              <a:buFont typeface="Arial" panose="020B0604020202020204" pitchFamily="34" charset="0"/>
-              <a:buChar char="•"/>
-            </a:pPr>
-            <a:r>
-              <a:rPr lang="de-DE" sz="1800" dirty="0"/>
-              <a:t>N-dimensionale Karten</a:t>
-            </a:r>
-          </a:p>
-          <a:p>
-            <a:pPr marL="285750" indent="-285750">
-              <a:buFont typeface="Arial" panose="020B0604020202020204" pitchFamily="34" charset="0"/>
-              <a:buChar char="•"/>
-            </a:pPr>
-            <a:r>
-              <a:rPr lang="de-DE" sz="1800" dirty="0"/>
-              <a:t>Bilder innerhalb des </a:t>
-            </a:r>
-            <a:r>
-              <a:rPr lang="de-DE" sz="1800" dirty="0" err="1"/>
-              <a:t>Textlusses</a:t>
-            </a:r>
-            <a:r>
-              <a:rPr lang="de-DE" sz="1800" dirty="0"/>
-              <a:t> mit </a:t>
-            </a:r>
-            <a:r>
-              <a:rPr lang="de-DE" sz="1800" dirty="0" err="1"/>
-              <a:t>copy</a:t>
-            </a:r>
-            <a:r>
-              <a:rPr lang="de-DE" sz="1800" dirty="0"/>
-              <a:t> &amp; </a:t>
-            </a:r>
-            <a:r>
-              <a:rPr lang="de-DE" sz="1800" dirty="0" err="1"/>
-              <a:t>paste</a:t>
-            </a:r>
-            <a:endParaRPr lang="de-DE" sz="1800" dirty="0"/>
-          </a:p>
-          <a:p>
-            <a:pPr marL="285750" indent="-285750">
-              <a:buFont typeface="Arial" panose="020B0604020202020204" pitchFamily="34" charset="0"/>
-              <a:buChar char="•"/>
-            </a:pPr>
-            <a:r>
-              <a:rPr lang="de-DE" sz="1800" dirty="0"/>
-              <a:t>Formeln durch verschiedene Methoden (Latex, </a:t>
-            </a:r>
-            <a:r>
-              <a:rPr lang="de-DE" sz="1800" dirty="0" err="1"/>
-              <a:t>MathJax</a:t>
-            </a:r>
-            <a:r>
-              <a:rPr lang="de-DE" sz="1800" dirty="0"/>
-              <a:t>, HTML)</a:t>
-            </a:r>
-          </a:p>
-          <a:p>
-            <a:pPr marL="285750" indent="-285750">
-              <a:buFont typeface="Arial" panose="020B0604020202020204" pitchFamily="34" charset="0"/>
-              <a:buChar char="•"/>
-            </a:pPr>
-            <a:r>
-              <a:rPr lang="de-DE" sz="1800" dirty="0"/>
-              <a:t>Spaced Learning </a:t>
-            </a:r>
-          </a:p>
-          <a:p>
-            <a:pPr marL="285750" indent="-285750">
-              <a:buFont typeface="Arial" panose="020B0604020202020204" pitchFamily="34" charset="0"/>
-              <a:buChar char="•"/>
-            </a:pPr>
-            <a:r>
-              <a:rPr lang="de-DE" sz="1800" dirty="0"/>
-              <a:t>Gedächtnisleistung nach Tageszeit</a:t>
-            </a:r>
-          </a:p>
-          <a:p>
-            <a:pPr marL="285750" indent="-285750">
-              <a:buFont typeface="Arial" panose="020B0604020202020204" pitchFamily="34" charset="0"/>
-              <a:buChar char="•"/>
-            </a:pPr>
-            <a:r>
-              <a:rPr lang="de-DE" sz="1800" dirty="0"/>
-              <a:t>Ähnliche Karten vermeiden </a:t>
-            </a:r>
-          </a:p>
-          <a:p>
-            <a:pPr marL="285750" indent="-285750">
-              <a:buFont typeface="Arial" panose="020B0604020202020204" pitchFamily="34" charset="0"/>
-              <a:buChar char="•"/>
-            </a:pPr>
-            <a:r>
-              <a:rPr lang="de-DE" sz="1800" dirty="0"/>
-              <a:t>Einfaches Votesystem auf der Webseite</a:t>
-            </a:r>
-          </a:p>
-        </p:txBody>
-      </p:sp>
-    </p:spTree>
-    <p:extLst>
-      <p:ext uri="{BB962C8B-B14F-4D97-AF65-F5344CB8AC3E}">
-        <p14:creationId xmlns:p14="http://schemas.microsoft.com/office/powerpoint/2010/main" val="2238653221"/>
-      </p:ext>
-    </p:extLst>
-  </p:cSld>
-  <p:clrMapOvr>
-    <a:masterClrMapping/>
-  </p:clrMapOvr>
-</p:sld>
-</file>
-
-<file path=ppt/slides/slide13.xml><?xml version="1.0" encoding="utf-8"?>
-<p:sld xmlns:a="http://schemas.openxmlformats.org/drawingml/2006/main" xmlns:r="http://schemas.openxmlformats.org/officeDocument/2006/relationships" xmlns:p="http://schemas.openxmlformats.org/presentationml/2006/main">
-  <p:cSld>
-    <p:spTree>
-      <p:nvGrpSpPr>
-        <p:cNvPr id="1" name=""/>
-        <p:cNvGrpSpPr/>
-        <p:nvPr/>
-      </p:nvGrpSpPr>
-      <p:grpSpPr>
-        <a:xfrm>
-          <a:off x="0" y="0"/>
-          <a:ext cx="0" cy="0"/>
-          <a:chOff x="0" y="0"/>
-          <a:chExt cx="0" cy="0"/>
-        </a:xfrm>
-      </p:grpSpPr>
-      <p:sp>
-        <p:nvSpPr>
-          <p:cNvPr id="2" name="Titel 1">
-            <a:extLst>
-              <a:ext uri="{FF2B5EF4-FFF2-40B4-BE49-F238E27FC236}">
-                <a16:creationId xmlns:a16="http://schemas.microsoft.com/office/drawing/2014/main" id="{A2DA162D-4648-47F0-B1F2-F6ECADC3AD6D}"/>
-              </a:ext>
-            </a:extLst>
-          </p:cNvPr>
-          <p:cNvSpPr>
-            <a:spLocks noGrp="1"/>
-          </p:cNvSpPr>
-          <p:nvPr>
-            <p:ph type="title"/>
-          </p:nvPr>
-        </p:nvSpPr>
-        <p:spPr/>
-        <p:txBody>
-          <a:bodyPr/>
-          <a:lstStyle/>
-          <a:p>
-            <a:r>
-              <a:rPr lang="en-US" sz="3600" b="1" dirty="0">
-                <a:solidFill>
-                  <a:srgbClr val="910830"/>
-                </a:solidFill>
-              </a:rPr>
-              <a:t>Evaluation </a:t>
-            </a:r>
-            <a:r>
-              <a:rPr lang="de-DE" sz="3600" b="1" dirty="0">
-                <a:solidFill>
-                  <a:srgbClr val="910830"/>
-                </a:solidFill>
-              </a:rPr>
-              <a:t>vorhandener</a:t>
-            </a:r>
-            <a:r>
-              <a:rPr lang="en-US" sz="3600" b="1" dirty="0">
-                <a:solidFill>
-                  <a:srgbClr val="910830"/>
-                </a:solidFill>
-              </a:rPr>
-              <a:t> Software</a:t>
-            </a:r>
-            <a:endParaRPr lang="en-US" dirty="0"/>
-          </a:p>
-        </p:txBody>
-      </p:sp>
-      <p:sp>
-        <p:nvSpPr>
-          <p:cNvPr id="3" name="Textplatzhalter 2">
-            <a:extLst>
-              <a:ext uri="{FF2B5EF4-FFF2-40B4-BE49-F238E27FC236}">
-                <a16:creationId xmlns:a16="http://schemas.microsoft.com/office/drawing/2014/main" id="{C85D0268-3F54-462F-B57F-0AD060C3E1E0}"/>
-              </a:ext>
-            </a:extLst>
-          </p:cNvPr>
-          <p:cNvSpPr>
-            <a:spLocks noGrp="1"/>
-          </p:cNvSpPr>
-          <p:nvPr>
-            <p:ph type="body" sz="quarter" idx="13"/>
-          </p:nvPr>
-        </p:nvSpPr>
-        <p:spPr/>
-        <p:txBody>
-          <a:bodyPr/>
-          <a:lstStyle/>
-          <a:p>
-            <a:r>
-              <a:rPr lang="de-DE" dirty="0" err="1"/>
-              <a:t>KevDi</a:t>
-            </a:r>
-            <a:r>
-              <a:rPr lang="de-DE" dirty="0"/>
-              <a:t> als Entwicklungsgrundlage</a:t>
-            </a:r>
-            <a:endParaRPr lang="en-US" dirty="0"/>
-          </a:p>
-        </p:txBody>
-      </p:sp>
-      <p:sp>
-        <p:nvSpPr>
-          <p:cNvPr id="4" name="Textplatzhalter 3">
-            <a:extLst>
-              <a:ext uri="{FF2B5EF4-FFF2-40B4-BE49-F238E27FC236}">
-                <a16:creationId xmlns:a16="http://schemas.microsoft.com/office/drawing/2014/main" id="{9D0105D0-205A-4E1F-ACCB-AACB15F40803}"/>
-              </a:ext>
-            </a:extLst>
-          </p:cNvPr>
-          <p:cNvSpPr>
-            <a:spLocks noGrp="1"/>
-          </p:cNvSpPr>
-          <p:nvPr>
-            <p:ph type="body" sz="quarter" idx="18"/>
-          </p:nvPr>
-        </p:nvSpPr>
-        <p:spPr>
-          <a:xfrm>
-            <a:off x="7007713" y="2781300"/>
-            <a:ext cx="3974612" cy="1895475"/>
-          </a:xfrm>
-        </p:spPr>
-        <p:txBody>
-          <a:bodyPr/>
-          <a:lstStyle/>
-          <a:p>
-            <a:r>
-              <a:rPr lang="de-DE" sz="1800" b="1" dirty="0">
-                <a:solidFill>
-                  <a:srgbClr val="C00000"/>
-                </a:solidFill>
-              </a:rPr>
-              <a:t>Keine Erfüllung des Single </a:t>
-            </a:r>
-            <a:r>
-              <a:rPr lang="de-DE" sz="1800" b="1" dirty="0" err="1">
-                <a:solidFill>
-                  <a:srgbClr val="C00000"/>
-                </a:solidFill>
-              </a:rPr>
-              <a:t>Sourcings</a:t>
-            </a:r>
-            <a:endParaRPr lang="de-DE" sz="1800" b="1" dirty="0">
-              <a:solidFill>
-                <a:srgbClr val="C00000"/>
-              </a:solidFill>
-            </a:endParaRPr>
-          </a:p>
-          <a:p>
-            <a:pPr lvl="1"/>
-            <a:r>
-              <a:rPr lang="de-DE" dirty="0"/>
-              <a:t>Mehr als eine Kopie, kein Export von Bildern</a:t>
-            </a:r>
-          </a:p>
-          <a:p>
-            <a:r>
-              <a:rPr lang="de-DE" sz="1800" dirty="0"/>
-              <a:t>keine Kollaboration</a:t>
-            </a:r>
-          </a:p>
-          <a:p>
-            <a:r>
-              <a:rPr lang="de-DE" sz="1800" dirty="0"/>
-              <a:t>Kein ansprechendes Design</a:t>
-            </a:r>
-          </a:p>
-        </p:txBody>
-      </p:sp>
-      <p:pic>
-        <p:nvPicPr>
-          <p:cNvPr id="6" name="Grafik 5">
-            <a:extLst>
-              <a:ext uri="{FF2B5EF4-FFF2-40B4-BE49-F238E27FC236}">
-                <a16:creationId xmlns:a16="http://schemas.microsoft.com/office/drawing/2014/main" id="{F9300F5A-6B99-40D0-99BF-BA17EFD7FB61}"/>
-              </a:ext>
-            </a:extLst>
-          </p:cNvPr>
-          <p:cNvPicPr>
-            <a:picLocks noChangeAspect="1"/>
-          </p:cNvPicPr>
-          <p:nvPr/>
-        </p:nvPicPr>
-        <p:blipFill>
-          <a:blip r:embed="rId2"/>
-          <a:stretch>
-            <a:fillRect/>
-          </a:stretch>
-        </p:blipFill>
-        <p:spPr>
-          <a:xfrm>
-            <a:off x="8294487" y="1561589"/>
-            <a:ext cx="1033257" cy="1085072"/>
-          </a:xfrm>
-          <a:prstGeom prst="rect">
-            <a:avLst/>
-          </a:prstGeom>
-        </p:spPr>
-      </p:pic>
-      <p:pic>
-        <p:nvPicPr>
-          <p:cNvPr id="8" name="Grafik 7">
-            <a:extLst>
-              <a:ext uri="{FF2B5EF4-FFF2-40B4-BE49-F238E27FC236}">
-                <a16:creationId xmlns:a16="http://schemas.microsoft.com/office/drawing/2014/main" id="{B35C8E66-4936-4091-ACA6-9EAB0476E8E7}"/>
-              </a:ext>
-            </a:extLst>
-          </p:cNvPr>
-          <p:cNvPicPr>
-            <a:picLocks noChangeAspect="1"/>
-          </p:cNvPicPr>
-          <p:nvPr/>
-        </p:nvPicPr>
-        <p:blipFill>
-          <a:blip r:embed="rId3"/>
-          <a:stretch>
-            <a:fillRect/>
-          </a:stretch>
-        </p:blipFill>
-        <p:spPr>
-          <a:xfrm>
-            <a:off x="2864256" y="1495099"/>
-            <a:ext cx="1033259" cy="1118102"/>
-          </a:xfrm>
-          <a:prstGeom prst="rect">
-            <a:avLst/>
-          </a:prstGeom>
-        </p:spPr>
-      </p:pic>
-      <p:sp>
-        <p:nvSpPr>
-          <p:cNvPr id="9" name="Textfeld 8">
-            <a:extLst>
-              <a:ext uri="{FF2B5EF4-FFF2-40B4-BE49-F238E27FC236}">
-                <a16:creationId xmlns:a16="http://schemas.microsoft.com/office/drawing/2014/main" id="{F55A94D1-7239-4DBE-81CA-0570E7154082}"/>
-              </a:ext>
-            </a:extLst>
-          </p:cNvPr>
-          <p:cNvSpPr txBox="1"/>
-          <p:nvPr/>
-        </p:nvSpPr>
-        <p:spPr>
-          <a:xfrm>
-            <a:off x="609600" y="2646661"/>
-            <a:ext cx="5791200" cy="3416320"/>
-          </a:xfrm>
-          <a:prstGeom prst="rect">
-            <a:avLst/>
-          </a:prstGeom>
-          <a:noFill/>
-        </p:spPr>
-        <p:txBody>
-          <a:bodyPr wrap="square" rtlCol="0">
-            <a:spAutoFit/>
-          </a:bodyPr>
-          <a:lstStyle/>
-          <a:p>
-            <a:pPr marL="285750" indent="-285750">
-              <a:buFont typeface="Arial" panose="020B0604020202020204" pitchFamily="34" charset="0"/>
-              <a:buChar char="•"/>
-            </a:pPr>
-            <a:r>
-              <a:rPr lang="de-DE" sz="1800" dirty="0"/>
-              <a:t>Freie Software</a:t>
-            </a:r>
-          </a:p>
-          <a:p>
-            <a:pPr marL="285750" indent="-285750">
-              <a:buFont typeface="Arial" panose="020B0604020202020204" pitchFamily="34" charset="0"/>
-              <a:buChar char="•"/>
-            </a:pPr>
-            <a:r>
-              <a:rPr lang="en-US" sz="1800" b="1" dirty="0">
-                <a:solidFill>
-                  <a:srgbClr val="C00000"/>
-                </a:solidFill>
-              </a:rPr>
-              <a:t>ALMS und P </a:t>
-            </a:r>
-            <a:r>
-              <a:rPr lang="en-US" sz="1800" b="1" dirty="0" err="1">
-                <a:solidFill>
-                  <a:srgbClr val="C00000"/>
-                </a:solidFill>
-              </a:rPr>
-              <a:t>erfüllt</a:t>
-            </a:r>
-            <a:endParaRPr lang="de-DE" b="1" dirty="0">
-              <a:solidFill>
-                <a:srgbClr val="C00000"/>
-              </a:solidFill>
-            </a:endParaRPr>
-          </a:p>
-          <a:p>
-            <a:pPr marL="285750" indent="-285750">
-              <a:buFont typeface="Arial" panose="020B0604020202020204" pitchFamily="34" charset="0"/>
-              <a:buChar char="•"/>
-            </a:pPr>
-            <a:r>
-              <a:rPr lang="de-DE" sz="1800" dirty="0"/>
-              <a:t>Unterteilung einer Kartenseite in mehrere Sektionen</a:t>
-            </a:r>
-          </a:p>
-          <a:p>
-            <a:pPr marL="285750" indent="-285750">
-              <a:buFont typeface="Arial" panose="020B0604020202020204" pitchFamily="34" charset="0"/>
-              <a:buChar char="•"/>
-            </a:pPr>
-            <a:r>
-              <a:rPr lang="de-DE" sz="1800" dirty="0"/>
-              <a:t>N-dimensionale Karten</a:t>
-            </a:r>
-          </a:p>
-          <a:p>
-            <a:pPr marL="285750" indent="-285750">
-              <a:buFont typeface="Arial" panose="020B0604020202020204" pitchFamily="34" charset="0"/>
-              <a:buChar char="•"/>
-            </a:pPr>
-            <a:r>
-              <a:rPr lang="de-DE" sz="1800" dirty="0"/>
-              <a:t>Bilder innerhalb des </a:t>
-            </a:r>
-            <a:r>
-              <a:rPr lang="de-DE" sz="1800" dirty="0" err="1"/>
-              <a:t>Textlusses</a:t>
-            </a:r>
-            <a:r>
-              <a:rPr lang="de-DE" sz="1800" dirty="0"/>
-              <a:t> mit </a:t>
-            </a:r>
-            <a:r>
-              <a:rPr lang="de-DE" sz="1800" dirty="0" err="1"/>
-              <a:t>copy</a:t>
-            </a:r>
-            <a:r>
-              <a:rPr lang="de-DE" sz="1800" dirty="0"/>
-              <a:t> &amp; </a:t>
-            </a:r>
-            <a:r>
-              <a:rPr lang="de-DE" sz="1800" dirty="0" err="1"/>
-              <a:t>paste</a:t>
-            </a:r>
-            <a:endParaRPr lang="de-DE" sz="1800" dirty="0"/>
-          </a:p>
-          <a:p>
-            <a:pPr marL="285750" indent="-285750">
-              <a:buFont typeface="Arial" panose="020B0604020202020204" pitchFamily="34" charset="0"/>
-              <a:buChar char="•"/>
-            </a:pPr>
-            <a:r>
-              <a:rPr lang="de-DE" sz="1800" dirty="0"/>
-              <a:t>Formeln durch verschiedene Methoden (Latex, </a:t>
-            </a:r>
-            <a:r>
-              <a:rPr lang="de-DE" sz="1800" dirty="0" err="1"/>
-              <a:t>MathJax</a:t>
-            </a:r>
-            <a:r>
-              <a:rPr lang="de-DE" sz="1800" dirty="0"/>
-              <a:t>, HTML)</a:t>
-            </a:r>
-          </a:p>
-          <a:p>
-            <a:pPr marL="285750" indent="-285750">
-              <a:buFont typeface="Arial" panose="020B0604020202020204" pitchFamily="34" charset="0"/>
-              <a:buChar char="•"/>
-            </a:pPr>
-            <a:r>
-              <a:rPr lang="de-DE" sz="1800" dirty="0"/>
-              <a:t>Spaced Learning </a:t>
-            </a:r>
-          </a:p>
-          <a:p>
-            <a:pPr marL="285750" indent="-285750">
-              <a:buFont typeface="Arial" panose="020B0604020202020204" pitchFamily="34" charset="0"/>
-              <a:buChar char="•"/>
-            </a:pPr>
-            <a:r>
-              <a:rPr lang="de-DE" sz="1800" dirty="0"/>
-              <a:t>Gedächtnisleistung nach Tageszeit</a:t>
-            </a:r>
-          </a:p>
-          <a:p>
-            <a:pPr marL="285750" indent="-285750">
-              <a:buFont typeface="Arial" panose="020B0604020202020204" pitchFamily="34" charset="0"/>
-              <a:buChar char="•"/>
-            </a:pPr>
-            <a:r>
-              <a:rPr lang="de-DE" sz="1800" dirty="0"/>
-              <a:t>Ähnliche Karten vermeiden </a:t>
-            </a:r>
-          </a:p>
-          <a:p>
-            <a:pPr marL="285750" indent="-285750">
-              <a:buFont typeface="Arial" panose="020B0604020202020204" pitchFamily="34" charset="0"/>
-              <a:buChar char="•"/>
-            </a:pPr>
-            <a:r>
-              <a:rPr lang="de-DE" sz="1800" dirty="0"/>
-              <a:t>Einfaches Votesystem auf der Webseite</a:t>
-            </a:r>
           </a:p>
         </p:txBody>
       </p:sp>
@@ -20053,7 +20045,7 @@
         </p:nvSpPr>
         <p:spPr>
           <a:xfrm flipH="1">
-            <a:off x="8993259" y="2507482"/>
+            <a:off x="9167315" y="2738400"/>
             <a:ext cx="2150260" cy="2585323"/>
           </a:xfrm>
           <a:prstGeom prst="rect">
@@ -20166,7 +20158,7 @@
         </p:nvSpPr>
         <p:spPr>
           <a:xfrm>
-            <a:off x="870656" y="2268511"/>
+            <a:off x="965389" y="2259516"/>
             <a:ext cx="1606530" cy="369332"/>
           </a:xfrm>
           <a:prstGeom prst="rect">
@@ -20205,7 +20197,7 @@
         </p:nvSpPr>
         <p:spPr>
           <a:xfrm>
-            <a:off x="4378458" y="4808473"/>
+            <a:off x="4829364" y="4861118"/>
             <a:ext cx="3838167" cy="1200329"/>
           </a:xfrm>
           <a:prstGeom prst="rect">
@@ -22065,7 +22057,7 @@
         <p:spPr>
           <a:xfrm>
             <a:off x="609600" y="2646661"/>
-            <a:ext cx="5791200" cy="3416320"/>
+            <a:ext cx="5958254" cy="3139321"/>
           </a:xfrm>
           <a:prstGeom prst="rect">
             <a:avLst/>
@@ -22098,7 +22090,7 @@
                   <a:srgbClr val="C00000"/>
                 </a:solidFill>
               </a:rPr>
-              <a:t>ALMS und P </a:t>
+              <a:t>A, L, M, S und P </a:t>
             </a:r>
             <a:r>
               <a:rPr lang="en-US" sz="1800" b="1" dirty="0" err="1">
@@ -22352,7 +22344,7 @@
         <p:spPr>
           <a:xfrm>
             <a:off x="7007713" y="2781300"/>
-            <a:ext cx="3974612" cy="1895475"/>
+            <a:ext cx="3974612" cy="3443654"/>
           </a:xfrm>
         </p:spPr>
         <p:txBody>
@@ -22365,39 +22357,54 @@
                   <a:srgbClr val="C00000"/>
                 </a:solidFill>
               </a:rPr>
-              <a:t>Keine Erfüllung des Single </a:t>
-            </a:r>
-            <a:r>
-              <a:rPr lang="de-DE" sz="1800" b="1" dirty="0" err="1">
-                <a:solidFill>
-                  <a:srgbClr val="C00000"/>
-                </a:solidFill>
-              </a:rPr>
-              <a:t>Sourcings</a:t>
-            </a:r>
-            <a:endParaRPr lang="de-DE" sz="1800" b="1" dirty="0">
-              <a:solidFill>
-                <a:srgbClr val="C00000"/>
-              </a:solidFill>
-            </a:endParaRPr>
+              <a:t>A, M, S und Single Sourcing nicht erfüllt</a:t>
+            </a:r>
           </a:p>
           <a:p>
             <a:pPr lvl="1"/>
             <a:r>
-              <a:rPr lang="de-DE" dirty="0"/>
-              <a:t>Mehr als eine Kopie, kein Export von Bildern</a:t>
+              <a:rPr lang="de-DE" sz="1600" dirty="0"/>
+              <a:t>Kostenpflichtig</a:t>
+            </a:r>
+          </a:p>
+          <a:p>
+            <a:pPr lvl="1"/>
+            <a:r>
+              <a:rPr lang="de-DE" sz="1600" dirty="0"/>
+              <a:t>Quellcode der Software und Quelldateien nicht öffentlich verfügbar</a:t>
+            </a:r>
+          </a:p>
+          <a:p>
+            <a:pPr lvl="1"/>
+            <a:r>
+              <a:rPr lang="de-DE" sz="1600" dirty="0"/>
+              <a:t>fehlende Exportfunktion</a:t>
+            </a:r>
+          </a:p>
+          <a:p>
+            <a:pPr lvl="1"/>
+            <a:r>
+              <a:rPr lang="de-DE" sz="1600" dirty="0"/>
+              <a:t>mangelnde Formatierungsfunktionen</a:t>
+            </a:r>
+          </a:p>
+          <a:p>
+            <a:pPr lvl="1"/>
+            <a:r>
+              <a:rPr lang="de-DE" sz="1600" dirty="0"/>
+              <a:t>Keine Formeln</a:t>
             </a:r>
           </a:p>
           <a:p>
             <a:r>
               <a:rPr lang="de-DE" sz="1800" dirty="0"/>
-              <a:t>keine Kollaboration</a:t>
+              <a:t>Keine Deaktivierung von Kursen</a:t>
             </a:r>
           </a:p>
           <a:p>
             <a:r>
               <a:rPr lang="de-DE" sz="1800" dirty="0"/>
-              <a:t>Kein ansprechendes Design</a:t>
+              <a:t>Keine Prioritäten</a:t>
             </a:r>
           </a:p>
         </p:txBody>
@@ -22464,176 +22471,258 @@
       </p:pic>
       <p:sp>
         <p:nvSpPr>
-          <p:cNvPr id="9" name="Textfeld 8">
+          <p:cNvPr id="10" name="Textplatzhalter 3">
             <a:extLst>
               <a:ext uri="{FF2B5EF4-FFF2-40B4-BE49-F238E27FC236}">
-                <a16:creationId xmlns:a16="http://schemas.microsoft.com/office/drawing/2014/main" id="{F55A94D1-7239-4DBE-81CA-0570E7154082}"/>
+                <a16:creationId xmlns:a16="http://schemas.microsoft.com/office/drawing/2014/main" id="{8B5A23E5-87EC-4582-BA37-E195B079C104}"/>
               </a:ext>
             </a:extLst>
           </p:cNvPr>
-          <p:cNvSpPr txBox="1"/>
+          <p:cNvSpPr txBox="1">
+            <a:spLocks/>
+          </p:cNvSpPr>
           <p:nvPr/>
         </p:nvSpPr>
         <p:spPr>
           <a:xfrm>
-            <a:off x="609600" y="2646661"/>
-            <a:ext cx="5791200" cy="3416320"/>
+            <a:off x="965197" y="2781300"/>
+            <a:ext cx="4831375" cy="3443654"/>
           </a:xfrm>
           <a:prstGeom prst="rect">
             <a:avLst/>
           </a:prstGeom>
-          <a:noFill/>
         </p:spPr>
         <p:txBody>
-          <a:bodyPr wrap="square" rtlCol="0">
-            <a:spAutoFit/>
+          <a:bodyPr>
+            <a:noAutofit/>
           </a:bodyPr>
-          <a:lstStyle/>
-          <a:p>
-            <a:pPr marL="285750" indent="-285750">
+          <a:lstStyle>
+            <a:lvl1pPr marL="228600" indent="-228600" algn="l" defTabSz="914400" rtl="0" eaLnBrk="1" latinLnBrk="0" hangingPunct="1">
+              <a:lnSpc>
+                <a:spcPct val="90000"/>
+              </a:lnSpc>
+              <a:spcBef>
+                <a:spcPts val="1000"/>
+              </a:spcBef>
+              <a:buFont typeface="Wingdings" panose="05000000000000000000" pitchFamily="2" charset="2"/>
+              <a:buChar char="§"/>
+              <a:defRPr sz="2000" kern="1200">
+                <a:solidFill>
+                  <a:srgbClr val="595959"/>
+                </a:solidFill>
+                <a:latin typeface="Trebuchet MS" panose="020B0603020202020204" pitchFamily="34" charset="0"/>
+                <a:ea typeface="+mn-ea"/>
+                <a:cs typeface="+mn-cs"/>
+              </a:defRPr>
+            </a:lvl1pPr>
+            <a:lvl2pPr marL="685800" indent="-228600" algn="l" defTabSz="914400" rtl="0" eaLnBrk="1" latinLnBrk="0" hangingPunct="1">
+              <a:lnSpc>
+                <a:spcPct val="90000"/>
+              </a:lnSpc>
+              <a:spcBef>
+                <a:spcPts val="500"/>
+              </a:spcBef>
+              <a:buFont typeface="Wingdings" panose="05000000000000000000" pitchFamily="2" charset="2"/>
+              <a:buChar char="§"/>
+              <a:defRPr sz="1800" kern="1200">
+                <a:solidFill>
+                  <a:srgbClr val="595959"/>
+                </a:solidFill>
+                <a:latin typeface="Trebuchet MS" panose="020B0603020202020204" pitchFamily="34" charset="0"/>
+                <a:ea typeface="+mn-ea"/>
+                <a:cs typeface="+mn-cs"/>
+              </a:defRPr>
+            </a:lvl2pPr>
+            <a:lvl3pPr marL="1143000" indent="-228600" algn="l" defTabSz="914400" rtl="0" eaLnBrk="1" latinLnBrk="0" hangingPunct="1">
+              <a:lnSpc>
+                <a:spcPct val="90000"/>
+              </a:lnSpc>
+              <a:spcBef>
+                <a:spcPts val="500"/>
+              </a:spcBef>
+              <a:buFont typeface="Wingdings" panose="05000000000000000000" pitchFamily="2" charset="2"/>
+              <a:buChar char="§"/>
+              <a:defRPr sz="1800" kern="1200">
+                <a:solidFill>
+                  <a:srgbClr val="595959"/>
+                </a:solidFill>
+                <a:latin typeface="Trebuchet MS" panose="020B0603020202020204" pitchFamily="34" charset="0"/>
+                <a:ea typeface="+mn-ea"/>
+                <a:cs typeface="+mn-cs"/>
+              </a:defRPr>
+            </a:lvl3pPr>
+            <a:lvl4pPr marL="1600200" indent="-228600" algn="l" defTabSz="914400" rtl="0" eaLnBrk="1" latinLnBrk="0" hangingPunct="1">
+              <a:lnSpc>
+                <a:spcPct val="90000"/>
+              </a:lnSpc>
+              <a:spcBef>
+                <a:spcPts val="500"/>
+              </a:spcBef>
+              <a:buFont typeface="Wingdings" panose="05000000000000000000" pitchFamily="2" charset="2"/>
+              <a:buChar char="§"/>
+              <a:defRPr sz="1800" kern="1200">
+                <a:solidFill>
+                  <a:srgbClr val="595959"/>
+                </a:solidFill>
+                <a:latin typeface="Trebuchet MS" panose="020B0603020202020204" pitchFamily="34" charset="0"/>
+                <a:ea typeface="+mn-ea"/>
+                <a:cs typeface="+mn-cs"/>
+              </a:defRPr>
+            </a:lvl4pPr>
+            <a:lvl5pPr marL="2057400" indent="-228600" algn="l" defTabSz="914400" rtl="0" eaLnBrk="1" latinLnBrk="0" hangingPunct="1">
+              <a:lnSpc>
+                <a:spcPct val="90000"/>
+              </a:lnSpc>
+              <a:spcBef>
+                <a:spcPts val="500"/>
+              </a:spcBef>
+              <a:buFont typeface="Wingdings" panose="05000000000000000000" pitchFamily="2" charset="2"/>
+              <a:buChar char="§"/>
+              <a:defRPr sz="1800" kern="1200">
+                <a:solidFill>
+                  <a:srgbClr val="595959"/>
+                </a:solidFill>
+                <a:latin typeface="Trebuchet MS" panose="020B0603020202020204" pitchFamily="34" charset="0"/>
+                <a:ea typeface="+mn-ea"/>
+                <a:cs typeface="+mn-cs"/>
+              </a:defRPr>
+            </a:lvl5pPr>
+            <a:lvl6pPr marL="2514600" indent="-228600" algn="l" defTabSz="914400" rtl="0" eaLnBrk="1" latinLnBrk="0" hangingPunct="1">
+              <a:lnSpc>
+                <a:spcPct val="90000"/>
+              </a:lnSpc>
+              <a:spcBef>
+                <a:spcPts val="500"/>
+              </a:spcBef>
               <a:buFont typeface="Arial" panose="020B0604020202020204" pitchFamily="34" charset="0"/>
               <a:buChar char="•"/>
-            </a:pPr>
-            <a:r>
-              <a:rPr lang="de-DE" sz="1800" dirty="0"/>
-              <a:t>Freie Software</a:t>
-            </a:r>
-          </a:p>
-          <a:p>
-            <a:pPr marL="285750" indent="-285750">
+              <a:defRPr sz="1800" kern="1200">
+                <a:solidFill>
+                  <a:schemeClr val="tx1"/>
+                </a:solidFill>
+                <a:latin typeface="+mn-lt"/>
+                <a:ea typeface="+mn-ea"/>
+                <a:cs typeface="+mn-cs"/>
+              </a:defRPr>
+            </a:lvl6pPr>
+            <a:lvl7pPr marL="2971800" indent="-228600" algn="l" defTabSz="914400" rtl="0" eaLnBrk="1" latinLnBrk="0" hangingPunct="1">
+              <a:lnSpc>
+                <a:spcPct val="90000"/>
+              </a:lnSpc>
+              <a:spcBef>
+                <a:spcPts val="500"/>
+              </a:spcBef>
               <a:buFont typeface="Arial" panose="020B0604020202020204" pitchFamily="34" charset="0"/>
               <a:buChar char="•"/>
-            </a:pPr>
-            <a:r>
-              <a:rPr lang="en-US" sz="1800" b="1" dirty="0">
+              <a:defRPr sz="1800" kern="1200">
+                <a:solidFill>
+                  <a:schemeClr val="tx1"/>
+                </a:solidFill>
+                <a:latin typeface="+mn-lt"/>
+                <a:ea typeface="+mn-ea"/>
+                <a:cs typeface="+mn-cs"/>
+              </a:defRPr>
+            </a:lvl7pPr>
+            <a:lvl8pPr marL="3429000" indent="-228600" algn="l" defTabSz="914400" rtl="0" eaLnBrk="1" latinLnBrk="0" hangingPunct="1">
+              <a:lnSpc>
+                <a:spcPct val="90000"/>
+              </a:lnSpc>
+              <a:spcBef>
+                <a:spcPts val="500"/>
+              </a:spcBef>
+              <a:buFont typeface="Arial" panose="020B0604020202020204" pitchFamily="34" charset="0"/>
+              <a:buChar char="•"/>
+              <a:defRPr sz="1800" kern="1200">
+                <a:solidFill>
+                  <a:schemeClr val="tx1"/>
+                </a:solidFill>
+                <a:latin typeface="+mn-lt"/>
+                <a:ea typeface="+mn-ea"/>
+                <a:cs typeface="+mn-cs"/>
+              </a:defRPr>
+            </a:lvl8pPr>
+            <a:lvl9pPr marL="3886200" indent="-228600" algn="l" defTabSz="914400" rtl="0" eaLnBrk="1" latinLnBrk="0" hangingPunct="1">
+              <a:lnSpc>
+                <a:spcPct val="90000"/>
+              </a:lnSpc>
+              <a:spcBef>
+                <a:spcPts val="500"/>
+              </a:spcBef>
+              <a:buFont typeface="Arial" panose="020B0604020202020204" pitchFamily="34" charset="0"/>
+              <a:buChar char="•"/>
+              <a:defRPr sz="1800" kern="1200">
+                <a:solidFill>
+                  <a:schemeClr val="tx1"/>
+                </a:solidFill>
+                <a:latin typeface="+mn-lt"/>
+                <a:ea typeface="+mn-ea"/>
+                <a:cs typeface="+mn-cs"/>
+              </a:defRPr>
+            </a:lvl9pPr>
+          </a:lstStyle>
+          <a:p>
+            <a:r>
+              <a:rPr lang="de-DE" sz="1800" b="1" dirty="0">
                 <a:solidFill>
                   <a:srgbClr val="C00000"/>
                 </a:solidFill>
               </a:rPr>
-              <a:t>ALMS und P </a:t>
-            </a:r>
-            <a:r>
-              <a:rPr lang="en-US" sz="1800" b="1" dirty="0" err="1">
-                <a:solidFill>
-                  <a:srgbClr val="C00000"/>
-                </a:solidFill>
-              </a:rPr>
-              <a:t>erfüllt</a:t>
-            </a:r>
-            <a:endParaRPr lang="de-DE" b="1" dirty="0">
-              <a:solidFill>
-                <a:srgbClr val="C00000"/>
-              </a:solidFill>
-            </a:endParaRPr>
-          </a:p>
-          <a:p>
-            <a:pPr marL="285750" indent="-285750">
-              <a:buFont typeface="Arial" panose="020B0604020202020204" pitchFamily="34" charset="0"/>
-              <a:buChar char="•"/>
-            </a:pPr>
+              <a:t>L und P der Softwareanforderungen erfüllt</a:t>
+            </a:r>
+          </a:p>
+          <a:p>
+            <a:pPr lvl="1"/>
+            <a:r>
+              <a:rPr lang="de-DE" sz="1600" dirty="0"/>
+              <a:t>Auf mobile Endgeräte verfügbar</a:t>
+            </a:r>
+          </a:p>
+          <a:p>
             <a:r>
               <a:rPr lang="de-DE" sz="1800" dirty="0"/>
-              <a:t>Unterteilung einer Kartenseite in mehrere Sektionen</a:t>
-            </a:r>
-          </a:p>
-          <a:p>
-            <a:pPr marL="285750" indent="-285750">
-              <a:buFont typeface="Arial" panose="020B0604020202020204" pitchFamily="34" charset="0"/>
-              <a:buChar char="•"/>
-            </a:pPr>
+              <a:t>Aufnahme von Audio</a:t>
+            </a:r>
+          </a:p>
+          <a:p>
             <a:r>
               <a:rPr lang="de-DE" sz="1800" dirty="0"/>
-              <a:t>N-dimensionale Karten</a:t>
-            </a:r>
-          </a:p>
-          <a:p>
-            <a:pPr marL="285750" indent="-285750">
-              <a:buFont typeface="Arial" panose="020B0604020202020204" pitchFamily="34" charset="0"/>
-              <a:buChar char="•"/>
-            </a:pPr>
+              <a:t>Fälligkeit von Kursen &amp; Kategorien</a:t>
+            </a:r>
+          </a:p>
+          <a:p>
             <a:r>
               <a:rPr lang="de-DE" sz="1800" dirty="0"/>
-              <a:t>Bilder innerhalb des </a:t>
-            </a:r>
-            <a:r>
-              <a:rPr lang="de-DE" sz="1800" dirty="0" err="1"/>
-              <a:t>Textlusses</a:t>
-            </a:r>
+              <a:t>Aktivitäts- und Prognosestatistiken </a:t>
+            </a:r>
+          </a:p>
+          <a:p>
             <a:r>
               <a:rPr lang="de-DE" sz="1800" dirty="0"/>
-              <a:t> mit </a:t>
-            </a:r>
-            <a:r>
-              <a:rPr lang="de-DE" sz="1800" dirty="0" err="1"/>
-              <a:t>copy</a:t>
-            </a:r>
+              <a:t>Individuelle Anzahl an Phasen</a:t>
+            </a:r>
+          </a:p>
+          <a:p>
             <a:r>
               <a:rPr lang="de-DE" sz="1800" dirty="0"/>
-              <a:t> &amp; </a:t>
-            </a:r>
-            <a:r>
-              <a:rPr lang="de-DE" sz="1800" dirty="0" err="1"/>
-              <a:t>paste</a:t>
-            </a:r>
+              <a:t>Einstellung: </a:t>
+            </a:r>
+          </a:p>
+          <a:p>
+            <a:pPr lvl="1"/>
+            <a:r>
+              <a:rPr lang="de-DE" sz="1600" dirty="0"/>
+              <a:t>Anzahl täglicher Karten/Tag</a:t>
+            </a:r>
+          </a:p>
+          <a:p>
+            <a:pPr lvl="1"/>
+            <a:r>
+              <a:rPr lang="de-DE" sz="1600" dirty="0"/>
+              <a:t>Warteintervalle</a:t>
+            </a:r>
+          </a:p>
+          <a:p>
             <a:endParaRPr lang="de-DE" sz="1800" dirty="0"/>
-          </a:p>
-          <a:p>
-            <a:pPr marL="285750" indent="-285750">
-              <a:buFont typeface="Arial" panose="020B0604020202020204" pitchFamily="34" charset="0"/>
-              <a:buChar char="•"/>
-            </a:pPr>
-            <a:r>
-              <a:rPr lang="de-DE" sz="1800" dirty="0"/>
-              <a:t>Formeln durch verschiedene Methoden (Latex, </a:t>
-            </a:r>
-            <a:r>
-              <a:rPr lang="de-DE" sz="1800" dirty="0" err="1"/>
-              <a:t>MathJax</a:t>
-            </a:r>
-            <a:r>
-              <a:rPr lang="de-DE" sz="1800" dirty="0"/>
-              <a:t>, HTML)</a:t>
-            </a:r>
-          </a:p>
-          <a:p>
-            <a:pPr marL="285750" indent="-285750">
-              <a:buFont typeface="Arial" panose="020B0604020202020204" pitchFamily="34" charset="0"/>
-              <a:buChar char="•"/>
-            </a:pPr>
-            <a:r>
-              <a:rPr lang="de-DE" sz="1800" dirty="0"/>
-              <a:t>Spaced Learning </a:t>
-            </a:r>
-          </a:p>
-          <a:p>
-            <a:pPr marL="285750" indent="-285750">
-              <a:buFont typeface="Arial" panose="020B0604020202020204" pitchFamily="34" charset="0"/>
-              <a:buChar char="•"/>
-            </a:pPr>
-            <a:r>
-              <a:rPr lang="de-DE" sz="1800" dirty="0"/>
-              <a:t>Gedächtnisleistung nach Tageszeit</a:t>
-            </a:r>
-          </a:p>
-          <a:p>
-            <a:pPr marL="285750" indent="-285750">
-              <a:buFont typeface="Arial" panose="020B0604020202020204" pitchFamily="34" charset="0"/>
-              <a:buChar char="•"/>
-            </a:pPr>
-            <a:r>
-              <a:rPr lang="de-DE" sz="1800" dirty="0"/>
-              <a:t>Ähnliche Karten vermeiden </a:t>
-            </a:r>
-          </a:p>
-          <a:p>
-            <a:pPr marL="285750" indent="-285750">
-              <a:buFont typeface="Arial" panose="020B0604020202020204" pitchFamily="34" charset="0"/>
-              <a:buChar char="•"/>
-            </a:pPr>
-            <a:r>
-              <a:rPr lang="de-DE" sz="1800" dirty="0"/>
-              <a:t>Einfaches Votesystem auf der Webseite</a:t>
-            </a:r>
           </a:p>
         </p:txBody>
       </p:sp>
